--- a/RendezVous.pptx
+++ b/RendezVous.pptx
@@ -6,6 +6,9 @@
   </p:sldMasterIdLst>
   <p:sldIdLst>
     <p:sldId id="257" r:id="rId2"/>
+    <p:sldId id="258" r:id="rId3"/>
+    <p:sldId id="259" r:id="rId4"/>
+    <p:sldId id="260" r:id="rId5"/>
   </p:sldIdLst>
   <p:sldSz cx="12192000" cy="6858000"/>
   <p:notesSz cx="6858000" cy="9144000"/>
@@ -104,6 +107,11 @@
       </a:defRPr>
     </a:lvl9pPr>
   </p:defaultTextStyle>
+  <p:extLst>
+    <p:ext uri="{EFAFB233-063F-42B5-8137-9DF3F51BA10A}">
+      <p15:sldGuideLst xmlns:p15="http://schemas.microsoft.com/office/powerpoint/2012/main"/>
+    </p:ext>
+  </p:extLst>
 </p:presentation>
 </file>
 
@@ -238,7 +246,7 @@
           <a:p>
             <a:fld id="{EEA32ED9-4C36-467B-BFFF-6E096BE1D2E4}" type="datetimeFigureOut">
               <a:rPr lang="it-IT" smtClean="0"/>
-              <a:t>12/06/2022</a:t>
+              <a:t>13/06/2022</a:t>
             </a:fld>
             <a:endParaRPr lang="it-IT"/>
           </a:p>
@@ -408,7 +416,7 @@
           <a:p>
             <a:fld id="{EEA32ED9-4C36-467B-BFFF-6E096BE1D2E4}" type="datetimeFigureOut">
               <a:rPr lang="it-IT" smtClean="0"/>
-              <a:t>12/06/2022</a:t>
+              <a:t>13/06/2022</a:t>
             </a:fld>
             <a:endParaRPr lang="it-IT"/>
           </a:p>
@@ -588,7 +596,7 @@
           <a:p>
             <a:fld id="{EEA32ED9-4C36-467B-BFFF-6E096BE1D2E4}" type="datetimeFigureOut">
               <a:rPr lang="it-IT" smtClean="0"/>
-              <a:t>12/06/2022</a:t>
+              <a:t>13/06/2022</a:t>
             </a:fld>
             <a:endParaRPr lang="it-IT"/>
           </a:p>
@@ -758,7 +766,7 @@
           <a:p>
             <a:fld id="{EEA32ED9-4C36-467B-BFFF-6E096BE1D2E4}" type="datetimeFigureOut">
               <a:rPr lang="it-IT" smtClean="0"/>
-              <a:t>12/06/2022</a:t>
+              <a:t>13/06/2022</a:t>
             </a:fld>
             <a:endParaRPr lang="it-IT"/>
           </a:p>
@@ -1004,7 +1012,7 @@
           <a:p>
             <a:fld id="{EEA32ED9-4C36-467B-BFFF-6E096BE1D2E4}" type="datetimeFigureOut">
               <a:rPr lang="it-IT" smtClean="0"/>
-              <a:t>12/06/2022</a:t>
+              <a:t>13/06/2022</a:t>
             </a:fld>
             <a:endParaRPr lang="it-IT"/>
           </a:p>
@@ -1236,7 +1244,7 @@
           <a:p>
             <a:fld id="{EEA32ED9-4C36-467B-BFFF-6E096BE1D2E4}" type="datetimeFigureOut">
               <a:rPr lang="it-IT" smtClean="0"/>
-              <a:t>12/06/2022</a:t>
+              <a:t>13/06/2022</a:t>
             </a:fld>
             <a:endParaRPr lang="it-IT"/>
           </a:p>
@@ -1603,7 +1611,7 @@
           <a:p>
             <a:fld id="{EEA32ED9-4C36-467B-BFFF-6E096BE1D2E4}" type="datetimeFigureOut">
               <a:rPr lang="it-IT" smtClean="0"/>
-              <a:t>12/06/2022</a:t>
+              <a:t>13/06/2022</a:t>
             </a:fld>
             <a:endParaRPr lang="it-IT"/>
           </a:p>
@@ -1721,7 +1729,7 @@
           <a:p>
             <a:fld id="{EEA32ED9-4C36-467B-BFFF-6E096BE1D2E4}" type="datetimeFigureOut">
               <a:rPr lang="it-IT" smtClean="0"/>
-              <a:t>12/06/2022</a:t>
+              <a:t>13/06/2022</a:t>
             </a:fld>
             <a:endParaRPr lang="it-IT"/>
           </a:p>
@@ -1816,7 +1824,7 @@
           <a:p>
             <a:fld id="{EEA32ED9-4C36-467B-BFFF-6E096BE1D2E4}" type="datetimeFigureOut">
               <a:rPr lang="it-IT" smtClean="0"/>
-              <a:t>12/06/2022</a:t>
+              <a:t>13/06/2022</a:t>
             </a:fld>
             <a:endParaRPr lang="it-IT"/>
           </a:p>
@@ -2093,7 +2101,7 @@
           <a:p>
             <a:fld id="{EEA32ED9-4C36-467B-BFFF-6E096BE1D2E4}" type="datetimeFigureOut">
               <a:rPr lang="it-IT" smtClean="0"/>
-              <a:t>12/06/2022</a:t>
+              <a:t>13/06/2022</a:t>
             </a:fld>
             <a:endParaRPr lang="it-IT"/>
           </a:p>
@@ -2350,7 +2358,7 @@
           <a:p>
             <a:fld id="{EEA32ED9-4C36-467B-BFFF-6E096BE1D2E4}" type="datetimeFigureOut">
               <a:rPr lang="it-IT" smtClean="0"/>
-              <a:t>12/06/2022</a:t>
+              <a:t>13/06/2022</a:t>
             </a:fld>
             <a:endParaRPr lang="it-IT"/>
           </a:p>
@@ -2572,7 +2580,7 @@
           <a:p>
             <a:fld id="{EEA32ED9-4C36-467B-BFFF-6E096BE1D2E4}" type="datetimeFigureOut">
               <a:rPr lang="it-IT" smtClean="0"/>
-              <a:t>12/06/2022</a:t>
+              <a:t>13/06/2022</a:t>
             </a:fld>
             <a:endParaRPr lang="it-IT"/>
           </a:p>
@@ -3069,6 +3077,404 @@
 </p:sld>
 </file>
 
+<file path=ppt/slides/slide2.xml><?xml version="1.0" encoding="utf-8"?>
+<p:sld xmlns:a="http://schemas.openxmlformats.org/drawingml/2006/main" xmlns:r="http://schemas.openxmlformats.org/officeDocument/2006/relationships" xmlns:p="http://schemas.openxmlformats.org/presentationml/2006/main">
+  <p:cSld>
+    <p:spTree>
+      <p:nvGrpSpPr>
+        <p:cNvPr id="1" name=""/>
+        <p:cNvGrpSpPr/>
+        <p:nvPr/>
+      </p:nvGrpSpPr>
+      <p:grpSpPr>
+        <a:xfrm>
+          <a:off x="0" y="0"/>
+          <a:ext cx="0" cy="0"/>
+          <a:chOff x="0" y="0"/>
+          <a:chExt cx="0" cy="0"/>
+        </a:xfrm>
+      </p:grpSpPr>
+      <p:sp>
+        <p:nvSpPr>
+          <p:cNvPr id="5" name="Titolo 4">
+            <a:extLst>
+              <a:ext uri="{FF2B5EF4-FFF2-40B4-BE49-F238E27FC236}">
+                <a16:creationId xmlns:a16="http://schemas.microsoft.com/office/drawing/2014/main" id="{F07B0D03-F3F2-48F2-B3FE-9ABDA9E5B4C2}"/>
+              </a:ext>
+            </a:extLst>
+          </p:cNvPr>
+          <p:cNvSpPr>
+            <a:spLocks noGrp="1"/>
+          </p:cNvSpPr>
+          <p:nvPr>
+            <p:ph type="title"/>
+          </p:nvPr>
+        </p:nvSpPr>
+        <p:spPr/>
+        <p:txBody>
+          <a:bodyPr>
+            <a:normAutofit/>
+          </a:bodyPr>
+          <a:lstStyle/>
+          <a:p>
+            <a:r>
+              <a:rPr lang="it-IT" sz="6000" dirty="0"/>
+              <a:t>Perché usare </a:t>
+            </a:r>
+            <a:r>
+              <a:rPr lang="it-IT" sz="6000" dirty="0" err="1"/>
+              <a:t>RendezVous</a:t>
+            </a:r>
+            <a:r>
+              <a:rPr lang="it-IT" sz="6000" dirty="0"/>
+              <a:t>?</a:t>
+            </a:r>
+          </a:p>
+        </p:txBody>
+      </p:sp>
+      <p:sp>
+        <p:nvSpPr>
+          <p:cNvPr id="6" name="Segnaposto contenuto 5">
+            <a:extLst>
+              <a:ext uri="{FF2B5EF4-FFF2-40B4-BE49-F238E27FC236}">
+                <a16:creationId xmlns:a16="http://schemas.microsoft.com/office/drawing/2014/main" id="{4A63B21C-900C-4049-8EF3-4BDD9806C2F9}"/>
+              </a:ext>
+            </a:extLst>
+          </p:cNvPr>
+          <p:cNvSpPr>
+            <a:spLocks noGrp="1"/>
+          </p:cNvSpPr>
+          <p:nvPr>
+            <p:ph idx="1"/>
+          </p:nvPr>
+        </p:nvSpPr>
+        <p:spPr>
+          <a:xfrm>
+            <a:off x="838200" y="1825624"/>
+            <a:ext cx="10515600" cy="4808257"/>
+          </a:xfrm>
+        </p:spPr>
+        <p:txBody>
+          <a:bodyPr>
+            <a:normAutofit fontScale="92500" lnSpcReduction="10000"/>
+          </a:bodyPr>
+          <a:lstStyle/>
+          <a:p>
+            <a:r>
+              <a:rPr lang="it-IT" dirty="0" err="1"/>
+              <a:t>RendezVous</a:t>
+            </a:r>
+            <a:r>
+              <a:rPr lang="it-IT" dirty="0"/>
+              <a:t> è un’applicazione che ti semplifica l’organizzazione delle uscite con gli amici.</a:t>
+            </a:r>
+          </a:p>
+          <a:p>
+            <a:r>
+              <a:rPr lang="it-IT" dirty="0"/>
+              <a:t>Un utente crea un’uscita da proporre a uno o più gruppi di amici.</a:t>
+            </a:r>
+          </a:p>
+          <a:p>
+            <a:r>
+              <a:rPr lang="it-IT" dirty="0"/>
+              <a:t>In questa uscita si può anche inserire la posizione GPS e una foto.</a:t>
+            </a:r>
+          </a:p>
+          <a:p>
+            <a:r>
+              <a:rPr lang="it-IT" dirty="0"/>
+              <a:t>Agli utenti a cui viene proposta un’uscita viene visualizzata una nuova card dalla quale si possono visualizzare informazioni come la distanza tra l’utente e il posto dell’uscita, la foto e la descrizione. La card dispone anche di un pulsante per aprire Google Maps.</a:t>
+            </a:r>
+          </a:p>
+          <a:p>
+            <a:r>
+              <a:rPr lang="it-IT" dirty="0"/>
+              <a:t>Trascinando la card verso sinistra l’utente può votare il giorno che preferisce.</a:t>
+            </a:r>
+          </a:p>
+          <a:p>
+            <a:r>
+              <a:rPr lang="it-IT" dirty="0"/>
+              <a:t>Quando tutti gli amici avranno votato, comparirà un evento sul calendario e arriverà una notifica.</a:t>
+            </a:r>
+          </a:p>
+        </p:txBody>
+      </p:sp>
+    </p:spTree>
+    <p:extLst>
+      <p:ext uri="{BB962C8B-B14F-4D97-AF65-F5344CB8AC3E}">
+        <p14:creationId xmlns:p14="http://schemas.microsoft.com/office/powerpoint/2010/main" val="2985652074"/>
+      </p:ext>
+    </p:extLst>
+  </p:cSld>
+  <p:clrMapOvr>
+    <a:masterClrMapping/>
+  </p:clrMapOvr>
+</p:sld>
+</file>
+
+<file path=ppt/slides/slide3.xml><?xml version="1.0" encoding="utf-8"?>
+<p:sld xmlns:a="http://schemas.openxmlformats.org/drawingml/2006/main" xmlns:r="http://schemas.openxmlformats.org/officeDocument/2006/relationships" xmlns:p="http://schemas.openxmlformats.org/presentationml/2006/main">
+  <p:cSld>
+    <p:spTree>
+      <p:nvGrpSpPr>
+        <p:cNvPr id="1" name=""/>
+        <p:cNvGrpSpPr/>
+        <p:nvPr/>
+      </p:nvGrpSpPr>
+      <p:grpSpPr>
+        <a:xfrm>
+          <a:off x="0" y="0"/>
+          <a:ext cx="0" cy="0"/>
+          <a:chOff x="0" y="0"/>
+          <a:chExt cx="0" cy="0"/>
+        </a:xfrm>
+      </p:grpSpPr>
+      <p:sp>
+        <p:nvSpPr>
+          <p:cNvPr id="2" name="Titolo 1">
+            <a:extLst>
+              <a:ext uri="{FF2B5EF4-FFF2-40B4-BE49-F238E27FC236}">
+                <a16:creationId xmlns:a16="http://schemas.microsoft.com/office/drawing/2014/main" id="{9A29CA76-BBE3-4FB2-924A-27BAF3535E7E}"/>
+              </a:ext>
+            </a:extLst>
+          </p:cNvPr>
+          <p:cNvSpPr>
+            <a:spLocks noGrp="1"/>
+          </p:cNvSpPr>
+          <p:nvPr>
+            <p:ph type="title"/>
+          </p:nvPr>
+        </p:nvSpPr>
+        <p:spPr/>
+        <p:txBody>
+          <a:bodyPr/>
+          <a:lstStyle/>
+          <a:p>
+            <a:r>
+              <a:rPr lang="it-IT" dirty="0"/>
+              <a:t>Tecnologie utilizzate</a:t>
+            </a:r>
+          </a:p>
+        </p:txBody>
+      </p:sp>
+      <p:sp>
+        <p:nvSpPr>
+          <p:cNvPr id="3" name="Segnaposto contenuto 2">
+            <a:extLst>
+              <a:ext uri="{FF2B5EF4-FFF2-40B4-BE49-F238E27FC236}">
+                <a16:creationId xmlns:a16="http://schemas.microsoft.com/office/drawing/2014/main" id="{E8BEAFD7-AA3D-406A-B78E-FB7A63F29AEA}"/>
+              </a:ext>
+            </a:extLst>
+          </p:cNvPr>
+          <p:cNvSpPr>
+            <a:spLocks noGrp="1"/>
+          </p:cNvSpPr>
+          <p:nvPr>
+            <p:ph idx="1"/>
+          </p:nvPr>
+        </p:nvSpPr>
+        <p:spPr>
+          <a:xfrm>
+            <a:off x="838200" y="1538754"/>
+            <a:ext cx="10515600" cy="4853082"/>
+          </a:xfrm>
+        </p:spPr>
+        <p:txBody>
+          <a:bodyPr>
+            <a:normAutofit/>
+          </a:bodyPr>
+          <a:lstStyle/>
+          <a:p>
+            <a:r>
+              <a:rPr lang="it-IT" dirty="0"/>
+              <a:t>Room per la creazione e gestione di un database locale.</a:t>
+            </a:r>
+          </a:p>
+          <a:p>
+            <a:r>
+              <a:rPr lang="it-IT" dirty="0" err="1"/>
+              <a:t>Material</a:t>
+            </a:r>
+            <a:r>
+              <a:rPr lang="it-IT" dirty="0"/>
+              <a:t> Design per l’implementazione di alcuni aspetti grafici.</a:t>
+            </a:r>
+          </a:p>
+          <a:p>
+            <a:r>
+              <a:rPr lang="it-IT" dirty="0"/>
+              <a:t>Grande uso di </a:t>
+            </a:r>
+            <a:r>
+              <a:rPr lang="it-IT" dirty="0" err="1"/>
+              <a:t>RecycleView</a:t>
+            </a:r>
+            <a:r>
+              <a:rPr lang="it-IT" dirty="0"/>
+              <a:t> per la visualizzazione di giorni e </a:t>
+            </a:r>
+            <a:r>
+              <a:rPr lang="it-IT" dirty="0" err="1"/>
+              <a:t>circles</a:t>
+            </a:r>
+            <a:r>
+              <a:rPr lang="it-IT" dirty="0"/>
+              <a:t> of friends.</a:t>
+            </a:r>
+          </a:p>
+          <a:p>
+            <a:r>
+              <a:rPr lang="it-IT" dirty="0" err="1"/>
+              <a:t>MaterialCardView</a:t>
+            </a:r>
+            <a:endParaRPr lang="it-IT" dirty="0"/>
+          </a:p>
+          <a:p>
+            <a:r>
+              <a:rPr lang="it-IT" dirty="0"/>
+              <a:t>Calendario customizzato:</a:t>
+            </a:r>
+          </a:p>
+          <a:p>
+            <a:pPr marL="0" indent="0">
+              <a:buNone/>
+            </a:pPr>
+            <a:r>
+              <a:rPr lang="it-IT" dirty="0"/>
+              <a:t>	 </a:t>
+            </a:r>
+            <a:r>
+              <a:rPr lang="it-IT" dirty="0">
+                <a:hlinkClick r:id="rId2"/>
+              </a:rPr>
+              <a:t>https://github.com/Applandeo/Material-Calendar-View.git</a:t>
+            </a:r>
+            <a:endParaRPr lang="it-IT" dirty="0"/>
+          </a:p>
+          <a:p>
+            <a:r>
+              <a:rPr lang="it-IT" dirty="0"/>
+              <a:t>Uso </a:t>
+            </a:r>
+            <a:r>
+              <a:rPr lang="it-IT" dirty="0" err="1"/>
+              <a:t>com.google.android.gms.location</a:t>
+            </a:r>
+            <a:r>
+              <a:rPr lang="it-IT" dirty="0"/>
+              <a:t> per il GPS</a:t>
+            </a:r>
+          </a:p>
+          <a:p>
+            <a:r>
+              <a:rPr lang="it-IT" dirty="0" err="1"/>
+              <a:t>Lottie</a:t>
+            </a:r>
+            <a:r>
+              <a:rPr lang="it-IT" dirty="0"/>
+              <a:t> per le animazioni: https://lottiefiles.com/</a:t>
+            </a:r>
+          </a:p>
+          <a:p>
+            <a:endParaRPr lang="it-IT" dirty="0"/>
+          </a:p>
+        </p:txBody>
+      </p:sp>
+    </p:spTree>
+    <p:extLst>
+      <p:ext uri="{BB962C8B-B14F-4D97-AF65-F5344CB8AC3E}">
+        <p14:creationId xmlns:p14="http://schemas.microsoft.com/office/powerpoint/2010/main" val="1165287237"/>
+      </p:ext>
+    </p:extLst>
+  </p:cSld>
+  <p:clrMapOvr>
+    <a:masterClrMapping/>
+  </p:clrMapOvr>
+</p:sld>
+</file>
+
+<file path=ppt/slides/slide4.xml><?xml version="1.0" encoding="utf-8"?>
+<p:sld xmlns:a="http://schemas.openxmlformats.org/drawingml/2006/main" xmlns:r="http://schemas.openxmlformats.org/officeDocument/2006/relationships" xmlns:p="http://schemas.openxmlformats.org/presentationml/2006/main">
+  <p:cSld>
+    <p:spTree>
+      <p:nvGrpSpPr>
+        <p:cNvPr id="1" name=""/>
+        <p:cNvGrpSpPr/>
+        <p:nvPr/>
+      </p:nvGrpSpPr>
+      <p:grpSpPr>
+        <a:xfrm>
+          <a:off x="0" y="0"/>
+          <a:ext cx="0" cy="0"/>
+          <a:chOff x="0" y="0"/>
+          <a:chExt cx="0" cy="0"/>
+        </a:xfrm>
+      </p:grpSpPr>
+      <p:sp>
+        <p:nvSpPr>
+          <p:cNvPr id="2" name="Titolo 1">
+            <a:extLst>
+              <a:ext uri="{FF2B5EF4-FFF2-40B4-BE49-F238E27FC236}">
+                <a16:creationId xmlns:a16="http://schemas.microsoft.com/office/drawing/2014/main" id="{F8892C50-1913-4B57-94E7-B10FFDFE3DB3}"/>
+              </a:ext>
+            </a:extLst>
+          </p:cNvPr>
+          <p:cNvSpPr>
+            <a:spLocks noGrp="1"/>
+          </p:cNvSpPr>
+          <p:nvPr>
+            <p:ph type="title"/>
+          </p:nvPr>
+        </p:nvSpPr>
+        <p:spPr/>
+        <p:txBody>
+          <a:bodyPr/>
+          <a:lstStyle/>
+          <a:p>
+            <a:endParaRPr lang="it-IT"/>
+          </a:p>
+        </p:txBody>
+      </p:sp>
+      <p:sp>
+        <p:nvSpPr>
+          <p:cNvPr id="3" name="Segnaposto contenuto 2">
+            <a:extLst>
+              <a:ext uri="{FF2B5EF4-FFF2-40B4-BE49-F238E27FC236}">
+                <a16:creationId xmlns:a16="http://schemas.microsoft.com/office/drawing/2014/main" id="{5C2BA4C4-5355-4647-8CCF-45A436A26B2A}"/>
+              </a:ext>
+            </a:extLst>
+          </p:cNvPr>
+          <p:cNvSpPr>
+            <a:spLocks noGrp="1"/>
+          </p:cNvSpPr>
+          <p:nvPr>
+            <p:ph idx="1"/>
+          </p:nvPr>
+        </p:nvSpPr>
+        <p:spPr/>
+        <p:txBody>
+          <a:bodyPr/>
+          <a:lstStyle/>
+          <a:p>
+            <a:endParaRPr lang="it-IT"/>
+          </a:p>
+        </p:txBody>
+      </p:sp>
+    </p:spTree>
+    <p:extLst>
+      <p:ext uri="{BB962C8B-B14F-4D97-AF65-F5344CB8AC3E}">
+        <p14:creationId xmlns:p14="http://schemas.microsoft.com/office/powerpoint/2010/main" val="519281848"/>
+      </p:ext>
+    </p:extLst>
+  </p:cSld>
+  <p:clrMapOvr>
+    <a:masterClrMapping/>
+  </p:clrMapOvr>
+</p:sld>
+</file>
+
 <file path=ppt/theme/theme1.xml><?xml version="1.0" encoding="utf-8"?>
 <a:theme xmlns:a="http://schemas.openxmlformats.org/drawingml/2006/main" name="Office Theme">
   <a:themeElements>

--- a/RendezVous.pptx
+++ b/RendezVous.pptx
@@ -246,7 +246,7 @@
           <a:p>
             <a:fld id="{EEA32ED9-4C36-467B-BFFF-6E096BE1D2E4}" type="datetimeFigureOut">
               <a:rPr lang="it-IT" smtClean="0"/>
-              <a:t>13/06/2022</a:t>
+              <a:t>15/06/2022</a:t>
             </a:fld>
             <a:endParaRPr lang="it-IT"/>
           </a:p>
@@ -416,7 +416,7 @@
           <a:p>
             <a:fld id="{EEA32ED9-4C36-467B-BFFF-6E096BE1D2E4}" type="datetimeFigureOut">
               <a:rPr lang="it-IT" smtClean="0"/>
-              <a:t>13/06/2022</a:t>
+              <a:t>15/06/2022</a:t>
             </a:fld>
             <a:endParaRPr lang="it-IT"/>
           </a:p>
@@ -596,7 +596,7 @@
           <a:p>
             <a:fld id="{EEA32ED9-4C36-467B-BFFF-6E096BE1D2E4}" type="datetimeFigureOut">
               <a:rPr lang="it-IT" smtClean="0"/>
-              <a:t>13/06/2022</a:t>
+              <a:t>15/06/2022</a:t>
             </a:fld>
             <a:endParaRPr lang="it-IT"/>
           </a:p>
@@ -766,7 +766,7 @@
           <a:p>
             <a:fld id="{EEA32ED9-4C36-467B-BFFF-6E096BE1D2E4}" type="datetimeFigureOut">
               <a:rPr lang="it-IT" smtClean="0"/>
-              <a:t>13/06/2022</a:t>
+              <a:t>15/06/2022</a:t>
             </a:fld>
             <a:endParaRPr lang="it-IT"/>
           </a:p>
@@ -1012,7 +1012,7 @@
           <a:p>
             <a:fld id="{EEA32ED9-4C36-467B-BFFF-6E096BE1D2E4}" type="datetimeFigureOut">
               <a:rPr lang="it-IT" smtClean="0"/>
-              <a:t>13/06/2022</a:t>
+              <a:t>15/06/2022</a:t>
             </a:fld>
             <a:endParaRPr lang="it-IT"/>
           </a:p>
@@ -1244,7 +1244,7 @@
           <a:p>
             <a:fld id="{EEA32ED9-4C36-467B-BFFF-6E096BE1D2E4}" type="datetimeFigureOut">
               <a:rPr lang="it-IT" smtClean="0"/>
-              <a:t>13/06/2022</a:t>
+              <a:t>15/06/2022</a:t>
             </a:fld>
             <a:endParaRPr lang="it-IT"/>
           </a:p>
@@ -1611,7 +1611,7 @@
           <a:p>
             <a:fld id="{EEA32ED9-4C36-467B-BFFF-6E096BE1D2E4}" type="datetimeFigureOut">
               <a:rPr lang="it-IT" smtClean="0"/>
-              <a:t>13/06/2022</a:t>
+              <a:t>15/06/2022</a:t>
             </a:fld>
             <a:endParaRPr lang="it-IT"/>
           </a:p>
@@ -1729,7 +1729,7 @@
           <a:p>
             <a:fld id="{EEA32ED9-4C36-467B-BFFF-6E096BE1D2E4}" type="datetimeFigureOut">
               <a:rPr lang="it-IT" smtClean="0"/>
-              <a:t>13/06/2022</a:t>
+              <a:t>15/06/2022</a:t>
             </a:fld>
             <a:endParaRPr lang="it-IT"/>
           </a:p>
@@ -1824,7 +1824,7 @@
           <a:p>
             <a:fld id="{EEA32ED9-4C36-467B-BFFF-6E096BE1D2E4}" type="datetimeFigureOut">
               <a:rPr lang="it-IT" smtClean="0"/>
-              <a:t>13/06/2022</a:t>
+              <a:t>15/06/2022</a:t>
             </a:fld>
             <a:endParaRPr lang="it-IT"/>
           </a:p>
@@ -2101,7 +2101,7 @@
           <a:p>
             <a:fld id="{EEA32ED9-4C36-467B-BFFF-6E096BE1D2E4}" type="datetimeFigureOut">
               <a:rPr lang="it-IT" smtClean="0"/>
-              <a:t>13/06/2022</a:t>
+              <a:t>15/06/2022</a:t>
             </a:fld>
             <a:endParaRPr lang="it-IT"/>
           </a:p>
@@ -2358,7 +2358,7 @@
           <a:p>
             <a:fld id="{EEA32ED9-4C36-467B-BFFF-6E096BE1D2E4}" type="datetimeFigureOut">
               <a:rPr lang="it-IT" smtClean="0"/>
-              <a:t>13/06/2022</a:t>
+              <a:t>15/06/2022</a:t>
             </a:fld>
             <a:endParaRPr lang="it-IT"/>
           </a:p>
@@ -2580,7 +2580,7 @@
           <a:p>
             <a:fld id="{EEA32ED9-4C36-467B-BFFF-6E096BE1D2E4}" type="datetimeFigureOut">
               <a:rPr lang="it-IT" smtClean="0"/>
-              <a:t>13/06/2022</a:t>
+              <a:t>15/06/2022</a:t>
             </a:fld>
             <a:endParaRPr lang="it-IT"/>
           </a:p>
@@ -3412,56 +3412,42 @@
           <a:chExt cx="0" cy="0"/>
         </a:xfrm>
       </p:grpSpPr>
-      <p:sp>
-        <p:nvSpPr>
-          <p:cNvPr id="2" name="Titolo 1">
+      <p:pic>
+        <p:nvPicPr>
+          <p:cNvPr id="5" name="Immagine 4">
             <a:extLst>
               <a:ext uri="{FF2B5EF4-FFF2-40B4-BE49-F238E27FC236}">
-                <a16:creationId xmlns:a16="http://schemas.microsoft.com/office/drawing/2014/main" id="{F8892C50-1913-4B57-94E7-B10FFDFE3DB3}"/>
+                <a16:creationId xmlns:a16="http://schemas.microsoft.com/office/drawing/2014/main" id="{EE8322EE-6B93-7361-844C-E6144EB2D218}"/>
               </a:ext>
             </a:extLst>
           </p:cNvPr>
-          <p:cNvSpPr>
-            <a:spLocks noGrp="1"/>
-          </p:cNvSpPr>
-          <p:nvPr>
-            <p:ph type="title"/>
-          </p:nvPr>
-        </p:nvSpPr>
-        <p:spPr/>
-        <p:txBody>
-          <a:bodyPr/>
-          <a:lstStyle/>
-          <a:p>
-            <a:endParaRPr lang="it-IT"/>
-          </a:p>
-        </p:txBody>
-      </p:sp>
-      <p:sp>
-        <p:nvSpPr>
-          <p:cNvPr id="3" name="Segnaposto contenuto 2">
+          <p:cNvPicPr>
+            <a:picLocks noChangeAspect="1"/>
+          </p:cNvPicPr>
+          <p:nvPr/>
+        </p:nvPicPr>
+        <p:blipFill>
+          <a:blip r:embed="rId2">
             <a:extLst>
-              <a:ext uri="{FF2B5EF4-FFF2-40B4-BE49-F238E27FC236}">
-                <a16:creationId xmlns:a16="http://schemas.microsoft.com/office/drawing/2014/main" id="{5C2BA4C4-5355-4647-8CCF-45A436A26B2A}"/>
+              <a:ext uri="{28A0092B-C50C-407E-A947-70E740481C1C}">
+                <a14:useLocalDpi xmlns:a14="http://schemas.microsoft.com/office/drawing/2010/main" val="0"/>
               </a:ext>
             </a:extLst>
-          </p:cNvPr>
-          <p:cNvSpPr>
-            <a:spLocks noGrp="1"/>
-          </p:cNvSpPr>
-          <p:nvPr>
-            <p:ph idx="1"/>
-          </p:nvPr>
-        </p:nvSpPr>
-        <p:spPr/>
-        <p:txBody>
-          <a:bodyPr/>
-          <a:lstStyle/>
-          <a:p>
-            <a:endParaRPr lang="it-IT"/>
-          </a:p>
-        </p:txBody>
-      </p:sp>
+          </a:blip>
+          <a:stretch>
+            <a:fillRect/>
+          </a:stretch>
+        </p:blipFill>
+        <p:spPr>
+          <a:xfrm>
+            <a:off x="29307" y="0"/>
+            <a:ext cx="12133385" cy="6858000"/>
+          </a:xfrm>
+          <a:prstGeom prst="rect">
+            <a:avLst/>
+          </a:prstGeom>
+        </p:spPr>
+      </p:pic>
     </p:spTree>
     <p:extLst>
       <p:ext uri="{BB962C8B-B14F-4D97-AF65-F5344CB8AC3E}">

--- a/RendezVous.pptx
+++ b/RendezVous.pptx
@@ -9,6 +9,11 @@
     <p:sldId id="258" r:id="rId3"/>
     <p:sldId id="259" r:id="rId4"/>
     <p:sldId id="260" r:id="rId5"/>
+    <p:sldId id="261" r:id="rId6"/>
+    <p:sldId id="262" r:id="rId7"/>
+    <p:sldId id="264" r:id="rId8"/>
+    <p:sldId id="263" r:id="rId9"/>
+    <p:sldId id="265" r:id="rId10"/>
   </p:sldIdLst>
   <p:sldSz cx="12192000" cy="6858000"/>
   <p:notesSz cx="6858000" cy="9144000"/>
@@ -3356,7 +3361,7 @@
           <a:p>
             <a:r>
               <a:rPr lang="it-IT" dirty="0"/>
-              <a:t>Uso </a:t>
+              <a:t>Uso di </a:t>
             </a:r>
             <a:r>
               <a:rPr lang="it-IT" dirty="0" err="1"/>
@@ -3452,6 +3457,1185 @@
     <p:extLst>
       <p:ext uri="{BB962C8B-B14F-4D97-AF65-F5344CB8AC3E}">
         <p14:creationId xmlns:p14="http://schemas.microsoft.com/office/powerpoint/2010/main" val="519281848"/>
+      </p:ext>
+    </p:extLst>
+  </p:cSld>
+  <p:clrMapOvr>
+    <a:masterClrMapping/>
+  </p:clrMapOvr>
+</p:sld>
+</file>
+
+<file path=ppt/slides/slide5.xml><?xml version="1.0" encoding="utf-8"?>
+<p:sld xmlns:a="http://schemas.openxmlformats.org/drawingml/2006/main" xmlns:r="http://schemas.openxmlformats.org/officeDocument/2006/relationships" xmlns:p="http://schemas.openxmlformats.org/presentationml/2006/main">
+  <p:cSld>
+    <p:spTree>
+      <p:nvGrpSpPr>
+        <p:cNvPr id="1" name=""/>
+        <p:cNvGrpSpPr/>
+        <p:nvPr/>
+      </p:nvGrpSpPr>
+      <p:grpSpPr>
+        <a:xfrm>
+          <a:off x="0" y="0"/>
+          <a:ext cx="0" cy="0"/>
+          <a:chOff x="0" y="0"/>
+          <a:chExt cx="0" cy="0"/>
+        </a:xfrm>
+      </p:grpSpPr>
+      <p:pic>
+        <p:nvPicPr>
+          <p:cNvPr id="5" name="Immagine 4" descr="Immagine che contiene giocattolo, bambola&#10;&#10;Descrizione generata automaticamente">
+            <a:extLst>
+              <a:ext uri="{FF2B5EF4-FFF2-40B4-BE49-F238E27FC236}">
+                <a16:creationId xmlns:a16="http://schemas.microsoft.com/office/drawing/2014/main" id="{84C9FA62-D645-BA8B-C10E-E8E568948E7E}"/>
+              </a:ext>
+            </a:extLst>
+          </p:cNvPr>
+          <p:cNvPicPr>
+            <a:picLocks noChangeAspect="1"/>
+          </p:cNvPicPr>
+          <p:nvPr/>
+        </p:nvPicPr>
+        <p:blipFill>
+          <a:blip r:embed="rId2">
+            <a:extLst>
+              <a:ext uri="{28A0092B-C50C-407E-A947-70E740481C1C}">
+                <a14:useLocalDpi xmlns:a14="http://schemas.microsoft.com/office/drawing/2010/main" val="0"/>
+              </a:ext>
+            </a:extLst>
+          </a:blip>
+          <a:stretch>
+            <a:fillRect/>
+          </a:stretch>
+        </p:blipFill>
+        <p:spPr>
+          <a:xfrm>
+            <a:off x="1931037" y="258618"/>
+            <a:ext cx="2245687" cy="3170382"/>
+          </a:xfrm>
+          <a:prstGeom prst="rect">
+            <a:avLst/>
+          </a:prstGeom>
+        </p:spPr>
+      </p:pic>
+      <p:pic>
+        <p:nvPicPr>
+          <p:cNvPr id="10" name="Immagine 9" descr="Immagine che contiene giocattolo, bambola&#10;&#10;Descrizione generata automaticamente">
+            <a:extLst>
+              <a:ext uri="{FF2B5EF4-FFF2-40B4-BE49-F238E27FC236}">
+                <a16:creationId xmlns:a16="http://schemas.microsoft.com/office/drawing/2014/main" id="{79D1C137-6918-A931-F984-FF50FBD0C904}"/>
+              </a:ext>
+            </a:extLst>
+          </p:cNvPr>
+          <p:cNvPicPr>
+            <a:picLocks noChangeAspect="1"/>
+          </p:cNvPicPr>
+          <p:nvPr/>
+        </p:nvPicPr>
+        <p:blipFill>
+          <a:blip r:embed="rId2">
+            <a:extLst>
+              <a:ext uri="{28A0092B-C50C-407E-A947-70E740481C1C}">
+                <a14:useLocalDpi xmlns:a14="http://schemas.microsoft.com/office/drawing/2010/main" val="0"/>
+              </a:ext>
+            </a:extLst>
+          </a:blip>
+          <a:stretch>
+            <a:fillRect/>
+          </a:stretch>
+        </p:blipFill>
+        <p:spPr>
+          <a:xfrm>
+            <a:off x="8425637" y="258618"/>
+            <a:ext cx="2245687" cy="3170382"/>
+          </a:xfrm>
+          <a:prstGeom prst="rect">
+            <a:avLst/>
+          </a:prstGeom>
+        </p:spPr>
+      </p:pic>
+      <p:sp>
+        <p:nvSpPr>
+          <p:cNvPr id="11" name="Titolo 1">
+            <a:extLst>
+              <a:ext uri="{FF2B5EF4-FFF2-40B4-BE49-F238E27FC236}">
+                <a16:creationId xmlns:a16="http://schemas.microsoft.com/office/drawing/2014/main" id="{A8BF242B-B5BB-B1CE-3626-00688594B521}"/>
+              </a:ext>
+            </a:extLst>
+          </p:cNvPr>
+          <p:cNvSpPr txBox="1">
+            <a:spLocks/>
+          </p:cNvSpPr>
+          <p:nvPr/>
+        </p:nvSpPr>
+        <p:spPr>
+          <a:xfrm>
+            <a:off x="838200" y="4738718"/>
+            <a:ext cx="10515600" cy="1325563"/>
+          </a:xfrm>
+          <a:prstGeom prst="rect">
+            <a:avLst/>
+          </a:prstGeom>
+        </p:spPr>
+        <p:txBody>
+          <a:bodyPr/>
+          <a:lstStyle>
+            <a:lvl1pPr algn="l" defTabSz="914400" rtl="0" eaLnBrk="1" latinLnBrk="0" hangingPunct="1">
+              <a:lnSpc>
+                <a:spcPct val="90000"/>
+              </a:lnSpc>
+              <a:spcBef>
+                <a:spcPct val="0"/>
+              </a:spcBef>
+              <a:buNone/>
+              <a:defRPr sz="4400" kern="1200">
+                <a:solidFill>
+                  <a:schemeClr val="tx1"/>
+                </a:solidFill>
+                <a:latin typeface="+mj-lt"/>
+                <a:ea typeface="+mj-ea"/>
+                <a:cs typeface="+mj-cs"/>
+              </a:defRPr>
+            </a:lvl1pPr>
+          </a:lstStyle>
+          <a:p>
+            <a:pPr algn="ctr"/>
+            <a:r>
+              <a:rPr lang="it-IT" dirty="0"/>
+              <a:t>Login e Registrazione utenti</a:t>
+            </a:r>
+          </a:p>
+        </p:txBody>
+      </p:sp>
+    </p:spTree>
+    <p:extLst>
+      <p:ext uri="{BB962C8B-B14F-4D97-AF65-F5344CB8AC3E}">
+        <p14:creationId xmlns:p14="http://schemas.microsoft.com/office/powerpoint/2010/main" val="461030427"/>
+      </p:ext>
+    </p:extLst>
+  </p:cSld>
+  <p:clrMapOvr>
+    <a:masterClrMapping/>
+  </p:clrMapOvr>
+</p:sld>
+</file>
+
+<file path=ppt/slides/slide6.xml><?xml version="1.0" encoding="utf-8"?>
+<p:sld xmlns:a="http://schemas.openxmlformats.org/drawingml/2006/main" xmlns:r="http://schemas.openxmlformats.org/officeDocument/2006/relationships" xmlns:p="http://schemas.openxmlformats.org/presentationml/2006/main">
+  <p:cSld>
+    <p:spTree>
+      <p:nvGrpSpPr>
+        <p:cNvPr id="1" name=""/>
+        <p:cNvGrpSpPr/>
+        <p:nvPr/>
+      </p:nvGrpSpPr>
+      <p:grpSpPr>
+        <a:xfrm>
+          <a:off x="0" y="0"/>
+          <a:ext cx="0" cy="0"/>
+          <a:chOff x="0" y="0"/>
+          <a:chExt cx="0" cy="0"/>
+        </a:xfrm>
+      </p:grpSpPr>
+      <p:pic>
+        <p:nvPicPr>
+          <p:cNvPr id="5" name="Immagine 4" descr="Immagine che contiene giocattolo, bambola&#10;&#10;Descrizione generata automaticamente">
+            <a:extLst>
+              <a:ext uri="{FF2B5EF4-FFF2-40B4-BE49-F238E27FC236}">
+                <a16:creationId xmlns:a16="http://schemas.microsoft.com/office/drawing/2014/main" id="{84C9FA62-D645-BA8B-C10E-E8E568948E7E}"/>
+              </a:ext>
+            </a:extLst>
+          </p:cNvPr>
+          <p:cNvPicPr>
+            <a:picLocks noChangeAspect="1"/>
+          </p:cNvPicPr>
+          <p:nvPr/>
+        </p:nvPicPr>
+        <p:blipFill>
+          <a:blip r:embed="rId2">
+            <a:extLst>
+              <a:ext uri="{28A0092B-C50C-407E-A947-70E740481C1C}">
+                <a14:useLocalDpi xmlns:a14="http://schemas.microsoft.com/office/drawing/2010/main" val="0"/>
+              </a:ext>
+            </a:extLst>
+          </a:blip>
+          <a:stretch>
+            <a:fillRect/>
+          </a:stretch>
+        </p:blipFill>
+        <p:spPr>
+          <a:xfrm>
+            <a:off x="1620485" y="258618"/>
+            <a:ext cx="2245687" cy="3170382"/>
+          </a:xfrm>
+          <a:prstGeom prst="rect">
+            <a:avLst/>
+          </a:prstGeom>
+        </p:spPr>
+      </p:pic>
+      <p:pic>
+        <p:nvPicPr>
+          <p:cNvPr id="6" name="Immagine 5" descr="Immagine che contiene giocattolo, bambola&#10;&#10;Descrizione generata automaticamente">
+            <a:extLst>
+              <a:ext uri="{FF2B5EF4-FFF2-40B4-BE49-F238E27FC236}">
+                <a16:creationId xmlns:a16="http://schemas.microsoft.com/office/drawing/2014/main" id="{8FAC93BF-4E90-7A7C-3A56-E46453B8FDE3}"/>
+              </a:ext>
+            </a:extLst>
+          </p:cNvPr>
+          <p:cNvPicPr>
+            <a:picLocks noChangeAspect="1"/>
+          </p:cNvPicPr>
+          <p:nvPr/>
+        </p:nvPicPr>
+        <p:blipFill>
+          <a:blip r:embed="rId2">
+            <a:extLst>
+              <a:ext uri="{28A0092B-C50C-407E-A947-70E740481C1C}">
+                <a14:useLocalDpi xmlns:a14="http://schemas.microsoft.com/office/drawing/2010/main" val="0"/>
+              </a:ext>
+            </a:extLst>
+          </a:blip>
+          <a:stretch>
+            <a:fillRect/>
+          </a:stretch>
+        </p:blipFill>
+        <p:spPr>
+          <a:xfrm>
+            <a:off x="7967349" y="3429000"/>
+            <a:ext cx="2245687" cy="3170382"/>
+          </a:xfrm>
+          <a:prstGeom prst="rect">
+            <a:avLst/>
+          </a:prstGeom>
+        </p:spPr>
+      </p:pic>
+      <p:sp>
+        <p:nvSpPr>
+          <p:cNvPr id="4" name="Segnaposto contenuto 5">
+            <a:extLst>
+              <a:ext uri="{FF2B5EF4-FFF2-40B4-BE49-F238E27FC236}">
+                <a16:creationId xmlns:a16="http://schemas.microsoft.com/office/drawing/2014/main" id="{B78BF393-B24B-590C-ADE9-81369A9AB5A6}"/>
+              </a:ext>
+            </a:extLst>
+          </p:cNvPr>
+          <p:cNvSpPr txBox="1">
+            <a:spLocks/>
+          </p:cNvSpPr>
+          <p:nvPr/>
+        </p:nvSpPr>
+        <p:spPr>
+          <a:xfrm>
+            <a:off x="4267336" y="492187"/>
+            <a:ext cx="7607060" cy="2703244"/>
+          </a:xfrm>
+          <a:prstGeom prst="rect">
+            <a:avLst/>
+          </a:prstGeom>
+        </p:spPr>
+        <p:txBody>
+          <a:bodyPr>
+            <a:normAutofit/>
+          </a:bodyPr>
+          <a:lstStyle>
+            <a:lvl1pPr marL="228600" indent="-228600" algn="l" defTabSz="914400" rtl="0" eaLnBrk="1" latinLnBrk="0" hangingPunct="1">
+              <a:lnSpc>
+                <a:spcPct val="90000"/>
+              </a:lnSpc>
+              <a:spcBef>
+                <a:spcPts val="1000"/>
+              </a:spcBef>
+              <a:buFont typeface="Arial" panose="020B0604020202020204" pitchFamily="34" charset="0"/>
+              <a:buChar char="•"/>
+              <a:defRPr sz="2800" kern="1200">
+                <a:solidFill>
+                  <a:schemeClr val="tx1"/>
+                </a:solidFill>
+                <a:latin typeface="+mn-lt"/>
+                <a:ea typeface="+mn-ea"/>
+                <a:cs typeface="+mn-cs"/>
+              </a:defRPr>
+            </a:lvl1pPr>
+            <a:lvl2pPr marL="685800" indent="-228600" algn="l" defTabSz="914400" rtl="0" eaLnBrk="1" latinLnBrk="0" hangingPunct="1">
+              <a:lnSpc>
+                <a:spcPct val="90000"/>
+              </a:lnSpc>
+              <a:spcBef>
+                <a:spcPts val="500"/>
+              </a:spcBef>
+              <a:buFont typeface="Arial" panose="020B0604020202020204" pitchFamily="34" charset="0"/>
+              <a:buChar char="•"/>
+              <a:defRPr sz="2400" kern="1200">
+                <a:solidFill>
+                  <a:schemeClr val="tx1"/>
+                </a:solidFill>
+                <a:latin typeface="+mn-lt"/>
+                <a:ea typeface="+mn-ea"/>
+                <a:cs typeface="+mn-cs"/>
+              </a:defRPr>
+            </a:lvl2pPr>
+            <a:lvl3pPr marL="1143000" indent="-228600" algn="l" defTabSz="914400" rtl="0" eaLnBrk="1" latinLnBrk="0" hangingPunct="1">
+              <a:lnSpc>
+                <a:spcPct val="90000"/>
+              </a:lnSpc>
+              <a:spcBef>
+                <a:spcPts val="500"/>
+              </a:spcBef>
+              <a:buFont typeface="Arial" panose="020B0604020202020204" pitchFamily="34" charset="0"/>
+              <a:buChar char="•"/>
+              <a:defRPr sz="2000" kern="1200">
+                <a:solidFill>
+                  <a:schemeClr val="tx1"/>
+                </a:solidFill>
+                <a:latin typeface="+mn-lt"/>
+                <a:ea typeface="+mn-ea"/>
+                <a:cs typeface="+mn-cs"/>
+              </a:defRPr>
+            </a:lvl3pPr>
+            <a:lvl4pPr marL="1600200" indent="-228600" algn="l" defTabSz="914400" rtl="0" eaLnBrk="1" latinLnBrk="0" hangingPunct="1">
+              <a:lnSpc>
+                <a:spcPct val="90000"/>
+              </a:lnSpc>
+              <a:spcBef>
+                <a:spcPts val="500"/>
+              </a:spcBef>
+              <a:buFont typeface="Arial" panose="020B0604020202020204" pitchFamily="34" charset="0"/>
+              <a:buChar char="•"/>
+              <a:defRPr sz="1800" kern="1200">
+                <a:solidFill>
+                  <a:schemeClr val="tx1"/>
+                </a:solidFill>
+                <a:latin typeface="+mn-lt"/>
+                <a:ea typeface="+mn-ea"/>
+                <a:cs typeface="+mn-cs"/>
+              </a:defRPr>
+            </a:lvl4pPr>
+            <a:lvl5pPr marL="2057400" indent="-228600" algn="l" defTabSz="914400" rtl="0" eaLnBrk="1" latinLnBrk="0" hangingPunct="1">
+              <a:lnSpc>
+                <a:spcPct val="90000"/>
+              </a:lnSpc>
+              <a:spcBef>
+                <a:spcPts val="500"/>
+              </a:spcBef>
+              <a:buFont typeface="Arial" panose="020B0604020202020204" pitchFamily="34" charset="0"/>
+              <a:buChar char="•"/>
+              <a:defRPr sz="1800" kern="1200">
+                <a:solidFill>
+                  <a:schemeClr val="tx1"/>
+                </a:solidFill>
+                <a:latin typeface="+mn-lt"/>
+                <a:ea typeface="+mn-ea"/>
+                <a:cs typeface="+mn-cs"/>
+              </a:defRPr>
+            </a:lvl5pPr>
+            <a:lvl6pPr marL="2514600" indent="-228600" algn="l" defTabSz="914400" rtl="0" eaLnBrk="1" latinLnBrk="0" hangingPunct="1">
+              <a:lnSpc>
+                <a:spcPct val="90000"/>
+              </a:lnSpc>
+              <a:spcBef>
+                <a:spcPts val="500"/>
+              </a:spcBef>
+              <a:buFont typeface="Arial" panose="020B0604020202020204" pitchFamily="34" charset="0"/>
+              <a:buChar char="•"/>
+              <a:defRPr sz="1800" kern="1200">
+                <a:solidFill>
+                  <a:schemeClr val="tx1"/>
+                </a:solidFill>
+                <a:latin typeface="+mn-lt"/>
+                <a:ea typeface="+mn-ea"/>
+                <a:cs typeface="+mn-cs"/>
+              </a:defRPr>
+            </a:lvl6pPr>
+            <a:lvl7pPr marL="2971800" indent="-228600" algn="l" defTabSz="914400" rtl="0" eaLnBrk="1" latinLnBrk="0" hangingPunct="1">
+              <a:lnSpc>
+                <a:spcPct val="90000"/>
+              </a:lnSpc>
+              <a:spcBef>
+                <a:spcPts val="500"/>
+              </a:spcBef>
+              <a:buFont typeface="Arial" panose="020B0604020202020204" pitchFamily="34" charset="0"/>
+              <a:buChar char="•"/>
+              <a:defRPr sz="1800" kern="1200">
+                <a:solidFill>
+                  <a:schemeClr val="tx1"/>
+                </a:solidFill>
+                <a:latin typeface="+mn-lt"/>
+                <a:ea typeface="+mn-ea"/>
+                <a:cs typeface="+mn-cs"/>
+              </a:defRPr>
+            </a:lvl7pPr>
+            <a:lvl8pPr marL="3429000" indent="-228600" algn="l" defTabSz="914400" rtl="0" eaLnBrk="1" latinLnBrk="0" hangingPunct="1">
+              <a:lnSpc>
+                <a:spcPct val="90000"/>
+              </a:lnSpc>
+              <a:spcBef>
+                <a:spcPts val="500"/>
+              </a:spcBef>
+              <a:buFont typeface="Arial" panose="020B0604020202020204" pitchFamily="34" charset="0"/>
+              <a:buChar char="•"/>
+              <a:defRPr sz="1800" kern="1200">
+                <a:solidFill>
+                  <a:schemeClr val="tx1"/>
+                </a:solidFill>
+                <a:latin typeface="+mn-lt"/>
+                <a:ea typeface="+mn-ea"/>
+                <a:cs typeface="+mn-cs"/>
+              </a:defRPr>
+            </a:lvl8pPr>
+            <a:lvl9pPr marL="3886200" indent="-228600" algn="l" defTabSz="914400" rtl="0" eaLnBrk="1" latinLnBrk="0" hangingPunct="1">
+              <a:lnSpc>
+                <a:spcPct val="90000"/>
+              </a:lnSpc>
+              <a:spcBef>
+                <a:spcPts val="500"/>
+              </a:spcBef>
+              <a:buFont typeface="Arial" panose="020B0604020202020204" pitchFamily="34" charset="0"/>
+              <a:buChar char="•"/>
+              <a:defRPr sz="1800" kern="1200">
+                <a:solidFill>
+                  <a:schemeClr val="tx1"/>
+                </a:solidFill>
+                <a:latin typeface="+mn-lt"/>
+                <a:ea typeface="+mn-ea"/>
+                <a:cs typeface="+mn-cs"/>
+              </a:defRPr>
+            </a:lvl9pPr>
+          </a:lstStyle>
+          <a:p>
+            <a:pPr marL="0" indent="0">
+              <a:buNone/>
+            </a:pPr>
+            <a:r>
+              <a:rPr lang="en-US" dirty="0"/>
+              <a:t>Home activity con </a:t>
+            </a:r>
+            <a:r>
+              <a:rPr lang="en-US" dirty="0" err="1"/>
+              <a:t>Calendario</a:t>
+            </a:r>
+            <a:r>
+              <a:rPr lang="en-US" dirty="0"/>
+              <a:t> per </a:t>
+            </a:r>
+            <a:r>
+              <a:rPr lang="en-US" dirty="0" err="1"/>
+              <a:t>visualizzare</a:t>
+            </a:r>
+            <a:r>
+              <a:rPr lang="en-US" dirty="0"/>
+              <a:t> </a:t>
+            </a:r>
+            <a:r>
+              <a:rPr lang="en-US" dirty="0" err="1"/>
+              <a:t>uscite</a:t>
+            </a:r>
+            <a:r>
+              <a:rPr lang="en-US" dirty="0"/>
+              <a:t> </a:t>
+            </a:r>
+            <a:r>
+              <a:rPr lang="en-US" dirty="0" err="1"/>
+              <a:t>gi</a:t>
+            </a:r>
+            <a:r>
+              <a:rPr lang="it-IT" dirty="0"/>
+              <a:t>à </a:t>
+            </a:r>
+            <a:r>
+              <a:rPr lang="en-US" dirty="0" err="1"/>
+              <a:t>pianificate</a:t>
+            </a:r>
+            <a:endParaRPr lang="it-IT" dirty="0"/>
+          </a:p>
+        </p:txBody>
+      </p:sp>
+      <p:sp>
+        <p:nvSpPr>
+          <p:cNvPr id="7" name="Segnaposto contenuto 5">
+            <a:extLst>
+              <a:ext uri="{FF2B5EF4-FFF2-40B4-BE49-F238E27FC236}">
+                <a16:creationId xmlns:a16="http://schemas.microsoft.com/office/drawing/2014/main" id="{1D1FDDC5-E96D-5F04-95AC-1D822C67CD70}"/>
+              </a:ext>
+            </a:extLst>
+          </p:cNvPr>
+          <p:cNvSpPr txBox="1">
+            <a:spLocks/>
+          </p:cNvSpPr>
+          <p:nvPr/>
+        </p:nvSpPr>
+        <p:spPr>
+          <a:xfrm>
+            <a:off x="160444" y="3801241"/>
+            <a:ext cx="7465308" cy="2564572"/>
+          </a:xfrm>
+          <a:prstGeom prst="rect">
+            <a:avLst/>
+          </a:prstGeom>
+        </p:spPr>
+        <p:txBody>
+          <a:bodyPr>
+            <a:normAutofit/>
+          </a:bodyPr>
+          <a:lstStyle>
+            <a:lvl1pPr marL="228600" indent="-228600" algn="l" defTabSz="914400" rtl="0" eaLnBrk="1" latinLnBrk="0" hangingPunct="1">
+              <a:lnSpc>
+                <a:spcPct val="90000"/>
+              </a:lnSpc>
+              <a:spcBef>
+                <a:spcPts val="1000"/>
+              </a:spcBef>
+              <a:buFont typeface="Arial" panose="020B0604020202020204" pitchFamily="34" charset="0"/>
+              <a:buChar char="•"/>
+              <a:defRPr sz="2800" kern="1200">
+                <a:solidFill>
+                  <a:schemeClr val="tx1"/>
+                </a:solidFill>
+                <a:latin typeface="+mn-lt"/>
+                <a:ea typeface="+mn-ea"/>
+                <a:cs typeface="+mn-cs"/>
+              </a:defRPr>
+            </a:lvl1pPr>
+            <a:lvl2pPr marL="685800" indent="-228600" algn="l" defTabSz="914400" rtl="0" eaLnBrk="1" latinLnBrk="0" hangingPunct="1">
+              <a:lnSpc>
+                <a:spcPct val="90000"/>
+              </a:lnSpc>
+              <a:spcBef>
+                <a:spcPts val="500"/>
+              </a:spcBef>
+              <a:buFont typeface="Arial" panose="020B0604020202020204" pitchFamily="34" charset="0"/>
+              <a:buChar char="•"/>
+              <a:defRPr sz="2400" kern="1200">
+                <a:solidFill>
+                  <a:schemeClr val="tx1"/>
+                </a:solidFill>
+                <a:latin typeface="+mn-lt"/>
+                <a:ea typeface="+mn-ea"/>
+                <a:cs typeface="+mn-cs"/>
+              </a:defRPr>
+            </a:lvl2pPr>
+            <a:lvl3pPr marL="1143000" indent="-228600" algn="l" defTabSz="914400" rtl="0" eaLnBrk="1" latinLnBrk="0" hangingPunct="1">
+              <a:lnSpc>
+                <a:spcPct val="90000"/>
+              </a:lnSpc>
+              <a:spcBef>
+                <a:spcPts val="500"/>
+              </a:spcBef>
+              <a:buFont typeface="Arial" panose="020B0604020202020204" pitchFamily="34" charset="0"/>
+              <a:buChar char="•"/>
+              <a:defRPr sz="2000" kern="1200">
+                <a:solidFill>
+                  <a:schemeClr val="tx1"/>
+                </a:solidFill>
+                <a:latin typeface="+mn-lt"/>
+                <a:ea typeface="+mn-ea"/>
+                <a:cs typeface="+mn-cs"/>
+              </a:defRPr>
+            </a:lvl3pPr>
+            <a:lvl4pPr marL="1600200" indent="-228600" algn="l" defTabSz="914400" rtl="0" eaLnBrk="1" latinLnBrk="0" hangingPunct="1">
+              <a:lnSpc>
+                <a:spcPct val="90000"/>
+              </a:lnSpc>
+              <a:spcBef>
+                <a:spcPts val="500"/>
+              </a:spcBef>
+              <a:buFont typeface="Arial" panose="020B0604020202020204" pitchFamily="34" charset="0"/>
+              <a:buChar char="•"/>
+              <a:defRPr sz="1800" kern="1200">
+                <a:solidFill>
+                  <a:schemeClr val="tx1"/>
+                </a:solidFill>
+                <a:latin typeface="+mn-lt"/>
+                <a:ea typeface="+mn-ea"/>
+                <a:cs typeface="+mn-cs"/>
+              </a:defRPr>
+            </a:lvl4pPr>
+            <a:lvl5pPr marL="2057400" indent="-228600" algn="l" defTabSz="914400" rtl="0" eaLnBrk="1" latinLnBrk="0" hangingPunct="1">
+              <a:lnSpc>
+                <a:spcPct val="90000"/>
+              </a:lnSpc>
+              <a:spcBef>
+                <a:spcPts val="500"/>
+              </a:spcBef>
+              <a:buFont typeface="Arial" panose="020B0604020202020204" pitchFamily="34" charset="0"/>
+              <a:buChar char="•"/>
+              <a:defRPr sz="1800" kern="1200">
+                <a:solidFill>
+                  <a:schemeClr val="tx1"/>
+                </a:solidFill>
+                <a:latin typeface="+mn-lt"/>
+                <a:ea typeface="+mn-ea"/>
+                <a:cs typeface="+mn-cs"/>
+              </a:defRPr>
+            </a:lvl5pPr>
+            <a:lvl6pPr marL="2514600" indent="-228600" algn="l" defTabSz="914400" rtl="0" eaLnBrk="1" latinLnBrk="0" hangingPunct="1">
+              <a:lnSpc>
+                <a:spcPct val="90000"/>
+              </a:lnSpc>
+              <a:spcBef>
+                <a:spcPts val="500"/>
+              </a:spcBef>
+              <a:buFont typeface="Arial" panose="020B0604020202020204" pitchFamily="34" charset="0"/>
+              <a:buChar char="•"/>
+              <a:defRPr sz="1800" kern="1200">
+                <a:solidFill>
+                  <a:schemeClr val="tx1"/>
+                </a:solidFill>
+                <a:latin typeface="+mn-lt"/>
+                <a:ea typeface="+mn-ea"/>
+                <a:cs typeface="+mn-cs"/>
+              </a:defRPr>
+            </a:lvl6pPr>
+            <a:lvl7pPr marL="2971800" indent="-228600" algn="l" defTabSz="914400" rtl="0" eaLnBrk="1" latinLnBrk="0" hangingPunct="1">
+              <a:lnSpc>
+                <a:spcPct val="90000"/>
+              </a:lnSpc>
+              <a:spcBef>
+                <a:spcPts val="500"/>
+              </a:spcBef>
+              <a:buFont typeface="Arial" panose="020B0604020202020204" pitchFamily="34" charset="0"/>
+              <a:buChar char="•"/>
+              <a:defRPr sz="1800" kern="1200">
+                <a:solidFill>
+                  <a:schemeClr val="tx1"/>
+                </a:solidFill>
+                <a:latin typeface="+mn-lt"/>
+                <a:ea typeface="+mn-ea"/>
+                <a:cs typeface="+mn-cs"/>
+              </a:defRPr>
+            </a:lvl7pPr>
+            <a:lvl8pPr marL="3429000" indent="-228600" algn="l" defTabSz="914400" rtl="0" eaLnBrk="1" latinLnBrk="0" hangingPunct="1">
+              <a:lnSpc>
+                <a:spcPct val="90000"/>
+              </a:lnSpc>
+              <a:spcBef>
+                <a:spcPts val="500"/>
+              </a:spcBef>
+              <a:buFont typeface="Arial" panose="020B0604020202020204" pitchFamily="34" charset="0"/>
+              <a:buChar char="•"/>
+              <a:defRPr sz="1800" kern="1200">
+                <a:solidFill>
+                  <a:schemeClr val="tx1"/>
+                </a:solidFill>
+                <a:latin typeface="+mn-lt"/>
+                <a:ea typeface="+mn-ea"/>
+                <a:cs typeface="+mn-cs"/>
+              </a:defRPr>
+            </a:lvl8pPr>
+            <a:lvl9pPr marL="3886200" indent="-228600" algn="l" defTabSz="914400" rtl="0" eaLnBrk="1" latinLnBrk="0" hangingPunct="1">
+              <a:lnSpc>
+                <a:spcPct val="90000"/>
+              </a:lnSpc>
+              <a:spcBef>
+                <a:spcPts val="500"/>
+              </a:spcBef>
+              <a:buFont typeface="Arial" panose="020B0604020202020204" pitchFamily="34" charset="0"/>
+              <a:buChar char="•"/>
+              <a:defRPr sz="1800" kern="1200">
+                <a:solidFill>
+                  <a:schemeClr val="tx1"/>
+                </a:solidFill>
+                <a:latin typeface="+mn-lt"/>
+                <a:ea typeface="+mn-ea"/>
+                <a:cs typeface="+mn-cs"/>
+              </a:defRPr>
+            </a:lvl9pPr>
+          </a:lstStyle>
+          <a:p>
+            <a:pPr marL="0" indent="0">
+              <a:buNone/>
+            </a:pPr>
+            <a:endParaRPr lang="it-IT" dirty="0"/>
+          </a:p>
+        </p:txBody>
+      </p:sp>
+      <p:sp>
+        <p:nvSpPr>
+          <p:cNvPr id="3" name="CasellaDiTesto 2">
+            <a:extLst>
+              <a:ext uri="{FF2B5EF4-FFF2-40B4-BE49-F238E27FC236}">
+                <a16:creationId xmlns:a16="http://schemas.microsoft.com/office/drawing/2014/main" id="{8122F53D-2E32-6360-E7AF-70BBDE1132ED}"/>
+              </a:ext>
+            </a:extLst>
+          </p:cNvPr>
+          <p:cNvSpPr txBox="1"/>
+          <p:nvPr/>
+        </p:nvSpPr>
+        <p:spPr>
+          <a:xfrm>
+            <a:off x="614497" y="4339086"/>
+            <a:ext cx="7220310" cy="954107"/>
+          </a:xfrm>
+          <a:prstGeom prst="rect">
+            <a:avLst/>
+          </a:prstGeom>
+          <a:noFill/>
+        </p:spPr>
+        <p:txBody>
+          <a:bodyPr wrap="square" rtlCol="0">
+            <a:spAutoFit/>
+          </a:bodyPr>
+          <a:lstStyle/>
+          <a:p>
+            <a:r>
+              <a:rPr lang="en-US" sz="2800" dirty="0"/>
+              <a:t>Drawer layout per </a:t>
+            </a:r>
+            <a:r>
+              <a:rPr lang="en-US" sz="2800" dirty="0" err="1"/>
+              <a:t>poter</a:t>
+            </a:r>
+            <a:r>
+              <a:rPr lang="en-US" sz="2800" dirty="0"/>
+              <a:t> </a:t>
+            </a:r>
+            <a:r>
+              <a:rPr lang="en-US" sz="2800" dirty="0" err="1"/>
+              <a:t>navigare</a:t>
+            </a:r>
+            <a:r>
+              <a:rPr lang="en-US" sz="2800" dirty="0"/>
+              <a:t> </a:t>
+            </a:r>
+            <a:r>
+              <a:rPr lang="en-US" sz="2800" dirty="0" err="1"/>
+              <a:t>tra</a:t>
+            </a:r>
+            <a:r>
+              <a:rPr lang="en-US" sz="2800" dirty="0"/>
+              <a:t> le </a:t>
+            </a:r>
+            <a:r>
+              <a:rPr lang="en-US" sz="2800" dirty="0" err="1"/>
+              <a:t>funzionalit</a:t>
+            </a:r>
+            <a:r>
+              <a:rPr lang="it-IT" sz="2800" dirty="0"/>
+              <a:t>à </a:t>
+            </a:r>
+            <a:r>
+              <a:rPr lang="it-IT" sz="2800" dirty="0" err="1"/>
+              <a:t>dell</a:t>
+            </a:r>
+            <a:r>
+              <a:rPr lang="it-IT" sz="2800" dirty="0"/>
+              <a:t> app</a:t>
+            </a:r>
+          </a:p>
+        </p:txBody>
+      </p:sp>
+    </p:spTree>
+    <p:extLst>
+      <p:ext uri="{BB962C8B-B14F-4D97-AF65-F5344CB8AC3E}">
+        <p14:creationId xmlns:p14="http://schemas.microsoft.com/office/powerpoint/2010/main" val="3726285450"/>
+      </p:ext>
+    </p:extLst>
+  </p:cSld>
+  <p:clrMapOvr>
+    <a:masterClrMapping/>
+  </p:clrMapOvr>
+</p:sld>
+</file>
+
+<file path=ppt/slides/slide7.xml><?xml version="1.0" encoding="utf-8"?>
+<p:sld xmlns:a="http://schemas.openxmlformats.org/drawingml/2006/main" xmlns:r="http://schemas.openxmlformats.org/officeDocument/2006/relationships" xmlns:p="http://schemas.openxmlformats.org/presentationml/2006/main">
+  <p:cSld>
+    <p:spTree>
+      <p:nvGrpSpPr>
+        <p:cNvPr id="1" name=""/>
+        <p:cNvGrpSpPr/>
+        <p:nvPr/>
+      </p:nvGrpSpPr>
+      <p:grpSpPr>
+        <a:xfrm>
+          <a:off x="0" y="0"/>
+          <a:ext cx="0" cy="0"/>
+          <a:chOff x="0" y="0"/>
+          <a:chExt cx="0" cy="0"/>
+        </a:xfrm>
+      </p:grpSpPr>
+      <p:pic>
+        <p:nvPicPr>
+          <p:cNvPr id="5" name="Immagine 4" descr="Immagine che contiene giocattolo, bambola&#10;&#10;Descrizione generata automaticamente">
+            <a:extLst>
+              <a:ext uri="{FF2B5EF4-FFF2-40B4-BE49-F238E27FC236}">
+                <a16:creationId xmlns:a16="http://schemas.microsoft.com/office/drawing/2014/main" id="{84C9FA62-D645-BA8B-C10E-E8E568948E7E}"/>
+              </a:ext>
+            </a:extLst>
+          </p:cNvPr>
+          <p:cNvPicPr>
+            <a:picLocks noChangeAspect="1"/>
+          </p:cNvPicPr>
+          <p:nvPr/>
+        </p:nvPicPr>
+        <p:blipFill>
+          <a:blip r:embed="rId2">
+            <a:extLst>
+              <a:ext uri="{28A0092B-C50C-407E-A947-70E740481C1C}">
+                <a14:useLocalDpi xmlns:a14="http://schemas.microsoft.com/office/drawing/2010/main" val="0"/>
+              </a:ext>
+            </a:extLst>
+          </a:blip>
+          <a:stretch>
+            <a:fillRect/>
+          </a:stretch>
+        </p:blipFill>
+        <p:spPr>
+          <a:xfrm>
+            <a:off x="1413452" y="258618"/>
+            <a:ext cx="2245687" cy="3170382"/>
+          </a:xfrm>
+          <a:prstGeom prst="rect">
+            <a:avLst/>
+          </a:prstGeom>
+        </p:spPr>
+      </p:pic>
+      <p:pic>
+        <p:nvPicPr>
+          <p:cNvPr id="6" name="Immagine 5" descr="Immagine che contiene giocattolo, bambola&#10;&#10;Descrizione generata automaticamente">
+            <a:extLst>
+              <a:ext uri="{FF2B5EF4-FFF2-40B4-BE49-F238E27FC236}">
+                <a16:creationId xmlns:a16="http://schemas.microsoft.com/office/drawing/2014/main" id="{8FAC93BF-4E90-7A7C-3A56-E46453B8FDE3}"/>
+              </a:ext>
+            </a:extLst>
+          </p:cNvPr>
+          <p:cNvPicPr>
+            <a:picLocks noChangeAspect="1"/>
+          </p:cNvPicPr>
+          <p:nvPr/>
+        </p:nvPicPr>
+        <p:blipFill>
+          <a:blip r:embed="rId2">
+            <a:extLst>
+              <a:ext uri="{28A0092B-C50C-407E-A947-70E740481C1C}">
+                <a14:useLocalDpi xmlns:a14="http://schemas.microsoft.com/office/drawing/2010/main" val="0"/>
+              </a:ext>
+            </a:extLst>
+          </a:blip>
+          <a:stretch>
+            <a:fillRect/>
+          </a:stretch>
+        </p:blipFill>
+        <p:spPr>
+          <a:xfrm>
+            <a:off x="7846579" y="3429000"/>
+            <a:ext cx="2245687" cy="3170382"/>
+          </a:xfrm>
+          <a:prstGeom prst="rect">
+            <a:avLst/>
+          </a:prstGeom>
+        </p:spPr>
+      </p:pic>
+      <p:sp>
+        <p:nvSpPr>
+          <p:cNvPr id="2" name="CasellaDiTesto 1">
+            <a:extLst>
+              <a:ext uri="{FF2B5EF4-FFF2-40B4-BE49-F238E27FC236}">
+                <a16:creationId xmlns:a16="http://schemas.microsoft.com/office/drawing/2014/main" id="{84BC9185-AED3-E75E-C5ED-02A18012B403}"/>
+              </a:ext>
+            </a:extLst>
+          </p:cNvPr>
+          <p:cNvSpPr txBox="1"/>
+          <p:nvPr/>
+        </p:nvSpPr>
+        <p:spPr>
+          <a:xfrm>
+            <a:off x="4327001" y="1362973"/>
+            <a:ext cx="7039155" cy="954107"/>
+          </a:xfrm>
+          <a:prstGeom prst="rect">
+            <a:avLst/>
+          </a:prstGeom>
+          <a:noFill/>
+        </p:spPr>
+        <p:txBody>
+          <a:bodyPr wrap="square" rtlCol="0">
+            <a:spAutoFit/>
+          </a:bodyPr>
+          <a:lstStyle/>
+          <a:p>
+            <a:r>
+              <a:rPr lang="it-IT" sz="2800" dirty="0"/>
+              <a:t>Visualizzazione in cards delle uscite che l’utente deve ancora confermare</a:t>
+            </a:r>
+          </a:p>
+        </p:txBody>
+      </p:sp>
+      <p:sp>
+        <p:nvSpPr>
+          <p:cNvPr id="3" name="CasellaDiTesto 2">
+            <a:extLst>
+              <a:ext uri="{FF2B5EF4-FFF2-40B4-BE49-F238E27FC236}">
+                <a16:creationId xmlns:a16="http://schemas.microsoft.com/office/drawing/2014/main" id="{9B32AC92-890C-4C3F-CE4A-38047EB782A0}"/>
+              </a:ext>
+            </a:extLst>
+          </p:cNvPr>
+          <p:cNvSpPr txBox="1"/>
+          <p:nvPr/>
+        </p:nvSpPr>
+        <p:spPr>
+          <a:xfrm>
+            <a:off x="785004" y="4575426"/>
+            <a:ext cx="6202392" cy="954107"/>
+          </a:xfrm>
+          <a:prstGeom prst="rect">
+            <a:avLst/>
+          </a:prstGeom>
+          <a:noFill/>
+        </p:spPr>
+        <p:txBody>
+          <a:bodyPr wrap="square" rtlCol="0">
+            <a:spAutoFit/>
+          </a:bodyPr>
+          <a:lstStyle/>
+          <a:p>
+            <a:r>
+              <a:rPr lang="it-IT" sz="2800" dirty="0"/>
+              <a:t>Pagina nel quale l’utente può effettuare una personalizzazione del proprio profilo</a:t>
+            </a:r>
+          </a:p>
+        </p:txBody>
+      </p:sp>
+    </p:spTree>
+    <p:extLst>
+      <p:ext uri="{BB962C8B-B14F-4D97-AF65-F5344CB8AC3E}">
+        <p14:creationId xmlns:p14="http://schemas.microsoft.com/office/powerpoint/2010/main" val="4163340871"/>
+      </p:ext>
+    </p:extLst>
+  </p:cSld>
+  <p:clrMapOvr>
+    <a:masterClrMapping/>
+  </p:clrMapOvr>
+</p:sld>
+</file>
+
+<file path=ppt/slides/slide8.xml><?xml version="1.0" encoding="utf-8"?>
+<p:sld xmlns:a="http://schemas.openxmlformats.org/drawingml/2006/main" xmlns:r="http://schemas.openxmlformats.org/officeDocument/2006/relationships" xmlns:p="http://schemas.openxmlformats.org/presentationml/2006/main">
+  <p:cSld>
+    <p:spTree>
+      <p:nvGrpSpPr>
+        <p:cNvPr id="1" name=""/>
+        <p:cNvGrpSpPr/>
+        <p:nvPr/>
+      </p:nvGrpSpPr>
+      <p:grpSpPr>
+        <a:xfrm>
+          <a:off x="0" y="0"/>
+          <a:ext cx="0" cy="0"/>
+          <a:chOff x="0" y="0"/>
+          <a:chExt cx="0" cy="0"/>
+        </a:xfrm>
+      </p:grpSpPr>
+      <p:pic>
+        <p:nvPicPr>
+          <p:cNvPr id="5" name="Immagine 4" descr="Immagine che contiene giocattolo, bambola&#10;&#10;Descrizione generata automaticamente">
+            <a:extLst>
+              <a:ext uri="{FF2B5EF4-FFF2-40B4-BE49-F238E27FC236}">
+                <a16:creationId xmlns:a16="http://schemas.microsoft.com/office/drawing/2014/main" id="{84C9FA62-D645-BA8B-C10E-E8E568948E7E}"/>
+              </a:ext>
+            </a:extLst>
+          </p:cNvPr>
+          <p:cNvPicPr>
+            <a:picLocks noChangeAspect="1"/>
+          </p:cNvPicPr>
+          <p:nvPr/>
+        </p:nvPicPr>
+        <p:blipFill>
+          <a:blip r:embed="rId2">
+            <a:extLst>
+              <a:ext uri="{28A0092B-C50C-407E-A947-70E740481C1C}">
+                <a14:useLocalDpi xmlns:a14="http://schemas.microsoft.com/office/drawing/2010/main" val="0"/>
+              </a:ext>
+            </a:extLst>
+          </a:blip>
+          <a:stretch>
+            <a:fillRect/>
+          </a:stretch>
+        </p:blipFill>
+        <p:spPr>
+          <a:xfrm>
+            <a:off x="1413452" y="258618"/>
+            <a:ext cx="2245687" cy="3170382"/>
+          </a:xfrm>
+          <a:prstGeom prst="rect">
+            <a:avLst/>
+          </a:prstGeom>
+        </p:spPr>
+      </p:pic>
+      <p:pic>
+        <p:nvPicPr>
+          <p:cNvPr id="6" name="Immagine 5" descr="Immagine che contiene giocattolo, bambola&#10;&#10;Descrizione generata automaticamente">
+            <a:extLst>
+              <a:ext uri="{FF2B5EF4-FFF2-40B4-BE49-F238E27FC236}">
+                <a16:creationId xmlns:a16="http://schemas.microsoft.com/office/drawing/2014/main" id="{8FAC93BF-4E90-7A7C-3A56-E46453B8FDE3}"/>
+              </a:ext>
+            </a:extLst>
+          </p:cNvPr>
+          <p:cNvPicPr>
+            <a:picLocks noChangeAspect="1"/>
+          </p:cNvPicPr>
+          <p:nvPr/>
+        </p:nvPicPr>
+        <p:blipFill>
+          <a:blip r:embed="rId2">
+            <a:extLst>
+              <a:ext uri="{28A0092B-C50C-407E-A947-70E740481C1C}">
+                <a14:useLocalDpi xmlns:a14="http://schemas.microsoft.com/office/drawing/2010/main" val="0"/>
+              </a:ext>
+            </a:extLst>
+          </a:blip>
+          <a:stretch>
+            <a:fillRect/>
+          </a:stretch>
+        </p:blipFill>
+        <p:spPr>
+          <a:xfrm>
+            <a:off x="7846579" y="3429000"/>
+            <a:ext cx="2245687" cy="3170382"/>
+          </a:xfrm>
+          <a:prstGeom prst="rect">
+            <a:avLst/>
+          </a:prstGeom>
+        </p:spPr>
+      </p:pic>
+      <p:sp>
+        <p:nvSpPr>
+          <p:cNvPr id="2" name="CasellaDiTesto 1">
+            <a:extLst>
+              <a:ext uri="{FF2B5EF4-FFF2-40B4-BE49-F238E27FC236}">
+                <a16:creationId xmlns:a16="http://schemas.microsoft.com/office/drawing/2014/main" id="{E8E76DC1-117C-1E19-0C93-7FEAC0273BE9}"/>
+              </a:ext>
+            </a:extLst>
+          </p:cNvPr>
+          <p:cNvSpPr txBox="1"/>
+          <p:nvPr/>
+        </p:nvSpPr>
+        <p:spPr>
+          <a:xfrm>
+            <a:off x="4537494" y="388189"/>
+            <a:ext cx="6944264" cy="954107"/>
+          </a:xfrm>
+          <a:prstGeom prst="rect">
+            <a:avLst/>
+          </a:prstGeom>
+          <a:noFill/>
+        </p:spPr>
+        <p:txBody>
+          <a:bodyPr wrap="square" rtlCol="0">
+            <a:spAutoFit/>
+          </a:bodyPr>
+          <a:lstStyle/>
+          <a:p>
+            <a:r>
+              <a:rPr lang="it-IT" sz="2800" dirty="0"/>
+              <a:t>Activity nella quale ogni utente può proporre un uscita ad un gruppo di amici</a:t>
+            </a:r>
+          </a:p>
+        </p:txBody>
+      </p:sp>
+      <p:sp>
+        <p:nvSpPr>
+          <p:cNvPr id="8" name="CasellaDiTesto 7">
+            <a:extLst>
+              <a:ext uri="{FF2B5EF4-FFF2-40B4-BE49-F238E27FC236}">
+                <a16:creationId xmlns:a16="http://schemas.microsoft.com/office/drawing/2014/main" id="{3CD13A1A-C238-A27C-18F8-E908488CC578}"/>
+              </a:ext>
+            </a:extLst>
+          </p:cNvPr>
+          <p:cNvSpPr txBox="1"/>
+          <p:nvPr/>
+        </p:nvSpPr>
+        <p:spPr>
+          <a:xfrm>
+            <a:off x="756248" y="4387970"/>
+            <a:ext cx="6944264" cy="954107"/>
+          </a:xfrm>
+          <a:prstGeom prst="rect">
+            <a:avLst/>
+          </a:prstGeom>
+          <a:noFill/>
+        </p:spPr>
+        <p:txBody>
+          <a:bodyPr wrap="square" rtlCol="0">
+            <a:spAutoFit/>
+          </a:bodyPr>
+          <a:lstStyle/>
+          <a:p>
+            <a:r>
+              <a:rPr lang="it-IT" sz="2800" dirty="0"/>
+              <a:t>Activity nella quale ogni utente invitato può dare la propria disponibilità per un’uscita</a:t>
+            </a:r>
+          </a:p>
+        </p:txBody>
+      </p:sp>
+    </p:spTree>
+    <p:extLst>
+      <p:ext uri="{BB962C8B-B14F-4D97-AF65-F5344CB8AC3E}">
+        <p14:creationId xmlns:p14="http://schemas.microsoft.com/office/powerpoint/2010/main" val="1707364245"/>
+      </p:ext>
+    </p:extLst>
+  </p:cSld>
+  <p:clrMapOvr>
+    <a:masterClrMapping/>
+  </p:clrMapOvr>
+</p:sld>
+</file>
+
+<file path=ppt/slides/slide9.xml><?xml version="1.0" encoding="utf-8"?>
+<p:sld xmlns:a="http://schemas.openxmlformats.org/drawingml/2006/main" xmlns:r="http://schemas.openxmlformats.org/officeDocument/2006/relationships" xmlns:p="http://schemas.openxmlformats.org/presentationml/2006/main">
+  <p:cSld>
+    <p:spTree>
+      <p:nvGrpSpPr>
+        <p:cNvPr id="1" name=""/>
+        <p:cNvGrpSpPr/>
+        <p:nvPr/>
+      </p:nvGrpSpPr>
+      <p:grpSpPr>
+        <a:xfrm>
+          <a:off x="0" y="0"/>
+          <a:ext cx="0" cy="0"/>
+          <a:chOff x="0" y="0"/>
+          <a:chExt cx="0" cy="0"/>
+        </a:xfrm>
+      </p:grpSpPr>
+      <p:sp>
+        <p:nvSpPr>
+          <p:cNvPr id="2" name="Titolo 1">
+            <a:extLst>
+              <a:ext uri="{FF2B5EF4-FFF2-40B4-BE49-F238E27FC236}">
+                <a16:creationId xmlns:a16="http://schemas.microsoft.com/office/drawing/2014/main" id="{E5AC6293-0698-B900-B65A-7190FBE2DB94}"/>
+              </a:ext>
+            </a:extLst>
+          </p:cNvPr>
+          <p:cNvSpPr>
+            <a:spLocks noGrp="1"/>
+          </p:cNvSpPr>
+          <p:nvPr>
+            <p:ph type="title"/>
+          </p:nvPr>
+        </p:nvSpPr>
+        <p:spPr>
+          <a:xfrm>
+            <a:off x="838200" y="2434070"/>
+            <a:ext cx="10515600" cy="1325563"/>
+          </a:xfrm>
+        </p:spPr>
+        <p:txBody>
+          <a:bodyPr>
+            <a:normAutofit/>
+          </a:bodyPr>
+          <a:lstStyle/>
+          <a:p>
+            <a:r>
+              <a:rPr lang="it-IT" sz="4000" dirty="0"/>
+              <a:t>Grazie dell’ attenzione Catia prandi (Catia con la c)</a:t>
+            </a:r>
+          </a:p>
+        </p:txBody>
+      </p:sp>
+    </p:spTree>
+    <p:extLst>
+      <p:ext uri="{BB962C8B-B14F-4D97-AF65-F5344CB8AC3E}">
+        <p14:creationId xmlns:p14="http://schemas.microsoft.com/office/powerpoint/2010/main" val="1124221025"/>
       </p:ext>
     </p:extLst>
   </p:cSld>

--- a/RendezVous.pptx
+++ b/RendezVous.pptx
@@ -251,7 +251,7 @@
           <a:p>
             <a:fld id="{EEA32ED9-4C36-467B-BFFF-6E096BE1D2E4}" type="datetimeFigureOut">
               <a:rPr lang="it-IT" smtClean="0"/>
-              <a:t>15/06/2022</a:t>
+              <a:t>17/06/2022</a:t>
             </a:fld>
             <a:endParaRPr lang="it-IT"/>
           </a:p>
@@ -421,7 +421,7 @@
           <a:p>
             <a:fld id="{EEA32ED9-4C36-467B-BFFF-6E096BE1D2E4}" type="datetimeFigureOut">
               <a:rPr lang="it-IT" smtClean="0"/>
-              <a:t>15/06/2022</a:t>
+              <a:t>17/06/2022</a:t>
             </a:fld>
             <a:endParaRPr lang="it-IT"/>
           </a:p>
@@ -601,7 +601,7 @@
           <a:p>
             <a:fld id="{EEA32ED9-4C36-467B-BFFF-6E096BE1D2E4}" type="datetimeFigureOut">
               <a:rPr lang="it-IT" smtClean="0"/>
-              <a:t>15/06/2022</a:t>
+              <a:t>17/06/2022</a:t>
             </a:fld>
             <a:endParaRPr lang="it-IT"/>
           </a:p>
@@ -771,7 +771,7 @@
           <a:p>
             <a:fld id="{EEA32ED9-4C36-467B-BFFF-6E096BE1D2E4}" type="datetimeFigureOut">
               <a:rPr lang="it-IT" smtClean="0"/>
-              <a:t>15/06/2022</a:t>
+              <a:t>17/06/2022</a:t>
             </a:fld>
             <a:endParaRPr lang="it-IT"/>
           </a:p>
@@ -1017,7 +1017,7 @@
           <a:p>
             <a:fld id="{EEA32ED9-4C36-467B-BFFF-6E096BE1D2E4}" type="datetimeFigureOut">
               <a:rPr lang="it-IT" smtClean="0"/>
-              <a:t>15/06/2022</a:t>
+              <a:t>17/06/2022</a:t>
             </a:fld>
             <a:endParaRPr lang="it-IT"/>
           </a:p>
@@ -1249,7 +1249,7 @@
           <a:p>
             <a:fld id="{EEA32ED9-4C36-467B-BFFF-6E096BE1D2E4}" type="datetimeFigureOut">
               <a:rPr lang="it-IT" smtClean="0"/>
-              <a:t>15/06/2022</a:t>
+              <a:t>17/06/2022</a:t>
             </a:fld>
             <a:endParaRPr lang="it-IT"/>
           </a:p>
@@ -1616,7 +1616,7 @@
           <a:p>
             <a:fld id="{EEA32ED9-4C36-467B-BFFF-6E096BE1D2E4}" type="datetimeFigureOut">
               <a:rPr lang="it-IT" smtClean="0"/>
-              <a:t>15/06/2022</a:t>
+              <a:t>17/06/2022</a:t>
             </a:fld>
             <a:endParaRPr lang="it-IT"/>
           </a:p>
@@ -1734,7 +1734,7 @@
           <a:p>
             <a:fld id="{EEA32ED9-4C36-467B-BFFF-6E096BE1D2E4}" type="datetimeFigureOut">
               <a:rPr lang="it-IT" smtClean="0"/>
-              <a:t>15/06/2022</a:t>
+              <a:t>17/06/2022</a:t>
             </a:fld>
             <a:endParaRPr lang="it-IT"/>
           </a:p>
@@ -1829,7 +1829,7 @@
           <a:p>
             <a:fld id="{EEA32ED9-4C36-467B-BFFF-6E096BE1D2E4}" type="datetimeFigureOut">
               <a:rPr lang="it-IT" smtClean="0"/>
-              <a:t>15/06/2022</a:t>
+              <a:t>17/06/2022</a:t>
             </a:fld>
             <a:endParaRPr lang="it-IT"/>
           </a:p>
@@ -2106,7 +2106,7 @@
           <a:p>
             <a:fld id="{EEA32ED9-4C36-467B-BFFF-6E096BE1D2E4}" type="datetimeFigureOut">
               <a:rPr lang="it-IT" smtClean="0"/>
-              <a:t>15/06/2022</a:t>
+              <a:t>17/06/2022</a:t>
             </a:fld>
             <a:endParaRPr lang="it-IT"/>
           </a:p>
@@ -2363,7 +2363,7 @@
           <a:p>
             <a:fld id="{EEA32ED9-4C36-467B-BFFF-6E096BE1D2E4}" type="datetimeFigureOut">
               <a:rPr lang="it-IT" smtClean="0"/>
-              <a:t>15/06/2022</a:t>
+              <a:t>17/06/2022</a:t>
             </a:fld>
             <a:endParaRPr lang="it-IT"/>
           </a:p>
@@ -2585,7 +2585,7 @@
           <a:p>
             <a:fld id="{EEA32ED9-4C36-467B-BFFF-6E096BE1D2E4}" type="datetimeFigureOut">
               <a:rPr lang="it-IT" smtClean="0"/>
-              <a:t>15/06/2022</a:t>
+              <a:t>17/06/2022</a:t>
             </a:fld>
             <a:endParaRPr lang="it-IT"/>
           </a:p>
@@ -3419,10 +3419,10 @@
       </p:grpSpPr>
       <p:pic>
         <p:nvPicPr>
-          <p:cNvPr id="5" name="Immagine 4">
+          <p:cNvPr id="3" name="Immagine 2">
             <a:extLst>
               <a:ext uri="{FF2B5EF4-FFF2-40B4-BE49-F238E27FC236}">
-                <a16:creationId xmlns:a16="http://schemas.microsoft.com/office/drawing/2014/main" id="{EE8322EE-6B93-7361-844C-E6144EB2D218}"/>
+                <a16:creationId xmlns:a16="http://schemas.microsoft.com/office/drawing/2014/main" id="{F5FD3957-9AB2-8369-757F-A57177F6AF47}"/>
               </a:ext>
             </a:extLst>
           </p:cNvPr>
@@ -3445,8 +3445,8 @@
         </p:blipFill>
         <p:spPr>
           <a:xfrm>
-            <a:off x="29307" y="0"/>
-            <a:ext cx="12133385" cy="6858000"/>
+            <a:off x="30209" y="0"/>
+            <a:ext cx="12131582" cy="6858000"/>
           </a:xfrm>
           <a:prstGeom prst="rect">
             <a:avLst/>
@@ -3485,7 +3485,7 @@
       </p:grpSpPr>
       <p:pic>
         <p:nvPicPr>
-          <p:cNvPr id="5" name="Immagine 4" descr="Immagine che contiene giocattolo, bambola&#10;&#10;Descrizione generata automaticamente">
+          <p:cNvPr id="5" name="Immagine 4">
             <a:extLst>
               <a:ext uri="{FF2B5EF4-FFF2-40B4-BE49-F238E27FC236}">
                 <a16:creationId xmlns:a16="http://schemas.microsoft.com/office/drawing/2014/main" id="{84C9FA62-D645-BA8B-C10E-E8E568948E7E}"/>
@@ -3505,14 +3505,13 @@
               </a:ext>
             </a:extLst>
           </a:blip>
-          <a:stretch>
-            <a:fillRect/>
-          </a:stretch>
+          <a:srcRect/>
+          <a:stretch/>
         </p:blipFill>
         <p:spPr>
           <a:xfrm>
-            <a:off x="1931037" y="258618"/>
-            <a:ext cx="2245687" cy="3170382"/>
+            <a:off x="2322254" y="210992"/>
+            <a:ext cx="1963996" cy="4255325"/>
           </a:xfrm>
           <a:prstGeom prst="rect">
             <a:avLst/>
@@ -3521,7 +3520,7 @@
       </p:pic>
       <p:pic>
         <p:nvPicPr>
-          <p:cNvPr id="10" name="Immagine 9" descr="Immagine che contiene giocattolo, bambola&#10;&#10;Descrizione generata automaticamente">
+          <p:cNvPr id="10" name="Immagine 9">
             <a:extLst>
               <a:ext uri="{FF2B5EF4-FFF2-40B4-BE49-F238E27FC236}">
                 <a16:creationId xmlns:a16="http://schemas.microsoft.com/office/drawing/2014/main" id="{79D1C137-6918-A931-F984-FF50FBD0C904}"/>
@@ -3534,21 +3533,20 @@
           <p:nvPr/>
         </p:nvPicPr>
         <p:blipFill>
-          <a:blip r:embed="rId2">
+          <a:blip r:embed="rId3">
             <a:extLst>
               <a:ext uri="{28A0092B-C50C-407E-A947-70E740481C1C}">
                 <a14:useLocalDpi xmlns:a14="http://schemas.microsoft.com/office/drawing/2010/main" val="0"/>
               </a:ext>
             </a:extLst>
           </a:blip>
-          <a:stretch>
-            <a:fillRect/>
-          </a:stretch>
+          <a:srcRect/>
+          <a:stretch/>
         </p:blipFill>
         <p:spPr>
           <a:xfrm>
-            <a:off x="8425637" y="258618"/>
-            <a:ext cx="2245687" cy="3170382"/>
+            <a:off x="8316112" y="315767"/>
+            <a:ext cx="1963995" cy="4255323"/>
           </a:xfrm>
           <a:prstGeom prst="rect">
             <a:avLst/>
@@ -3602,9 +3600,10 @@
           <a:p>
             <a:pPr algn="ctr"/>
             <a:r>
-              <a:rPr lang="it-IT" dirty="0"/>
+              <a:rPr lang="it-IT"/>
               <a:t>Login e Registrazione utenti</a:t>
             </a:r>
+            <a:endParaRPr lang="it-IT" dirty="0"/>
           </a:p>
         </p:txBody>
       </p:sp>
@@ -3640,7 +3639,7 @@
       </p:grpSpPr>
       <p:pic>
         <p:nvPicPr>
-          <p:cNvPr id="5" name="Immagine 4" descr="Immagine che contiene giocattolo, bambola&#10;&#10;Descrizione generata automaticamente">
+          <p:cNvPr id="5" name="Immagine 4">
             <a:extLst>
               <a:ext uri="{FF2B5EF4-FFF2-40B4-BE49-F238E27FC236}">
                 <a16:creationId xmlns:a16="http://schemas.microsoft.com/office/drawing/2014/main" id="{84C9FA62-D645-BA8B-C10E-E8E568948E7E}"/>
@@ -3660,14 +3659,13 @@
               </a:ext>
             </a:extLst>
           </a:blip>
-          <a:stretch>
-            <a:fillRect/>
-          </a:stretch>
+          <a:srcRect/>
+          <a:stretch/>
         </p:blipFill>
         <p:spPr>
           <a:xfrm>
-            <a:off x="1620485" y="258618"/>
-            <a:ext cx="2245687" cy="3170382"/>
+            <a:off x="2011702" y="106217"/>
+            <a:ext cx="1821733" cy="3947089"/>
           </a:xfrm>
           <a:prstGeom prst="rect">
             <a:avLst/>
@@ -3676,7 +3674,7 @@
       </p:pic>
       <p:pic>
         <p:nvPicPr>
-          <p:cNvPr id="6" name="Immagine 5" descr="Immagine che contiene giocattolo, bambola&#10;&#10;Descrizione generata automaticamente">
+          <p:cNvPr id="6" name="Immagine 5">
             <a:extLst>
               <a:ext uri="{FF2B5EF4-FFF2-40B4-BE49-F238E27FC236}">
                 <a16:creationId xmlns:a16="http://schemas.microsoft.com/office/drawing/2014/main" id="{8FAC93BF-4E90-7A7C-3A56-E46453B8FDE3}"/>
@@ -3689,21 +3687,20 @@
           <p:nvPr/>
         </p:nvPicPr>
         <p:blipFill>
-          <a:blip r:embed="rId2">
+          <a:blip r:embed="rId3">
             <a:extLst>
               <a:ext uri="{28A0092B-C50C-407E-A947-70E740481C1C}">
                 <a14:useLocalDpi xmlns:a14="http://schemas.microsoft.com/office/drawing/2010/main" val="0"/>
               </a:ext>
             </a:extLst>
           </a:blip>
-          <a:stretch>
-            <a:fillRect/>
-          </a:stretch>
+          <a:srcRect/>
+          <a:stretch/>
         </p:blipFill>
         <p:spPr>
           <a:xfrm>
-            <a:off x="7967349" y="3429000"/>
-            <a:ext cx="2245687" cy="3170382"/>
+            <a:off x="8358566" y="2270295"/>
+            <a:ext cx="2090359" cy="4529112"/>
           </a:xfrm>
           <a:prstGeom prst="rect">
             <a:avLst/>
@@ -4255,7 +4252,7 @@
       </p:grpSpPr>
       <p:pic>
         <p:nvPicPr>
-          <p:cNvPr id="5" name="Immagine 4" descr="Immagine che contiene giocattolo, bambola&#10;&#10;Descrizione generata automaticamente">
+          <p:cNvPr id="5" name="Immagine 4">
             <a:extLst>
               <a:ext uri="{FF2B5EF4-FFF2-40B4-BE49-F238E27FC236}">
                 <a16:creationId xmlns:a16="http://schemas.microsoft.com/office/drawing/2014/main" id="{84C9FA62-D645-BA8B-C10E-E8E568948E7E}"/>
@@ -4275,14 +4272,13 @@
               </a:ext>
             </a:extLst>
           </a:blip>
-          <a:stretch>
-            <a:fillRect/>
-          </a:stretch>
+          <a:srcRect/>
+          <a:stretch/>
         </p:blipFill>
         <p:spPr>
           <a:xfrm>
-            <a:off x="1413452" y="258618"/>
-            <a:ext cx="2245687" cy="3170382"/>
+            <a:off x="1804669" y="210992"/>
+            <a:ext cx="1957706" cy="4241697"/>
           </a:xfrm>
           <a:prstGeom prst="rect">
             <a:avLst/>
@@ -4291,7 +4287,7 @@
       </p:pic>
       <p:pic>
         <p:nvPicPr>
-          <p:cNvPr id="6" name="Immagine 5" descr="Immagine che contiene giocattolo, bambola&#10;&#10;Descrizione generata automaticamente">
+          <p:cNvPr id="6" name="Immagine 5">
             <a:extLst>
               <a:ext uri="{FF2B5EF4-FFF2-40B4-BE49-F238E27FC236}">
                 <a16:creationId xmlns:a16="http://schemas.microsoft.com/office/drawing/2014/main" id="{8FAC93BF-4E90-7A7C-3A56-E46453B8FDE3}"/>
@@ -4304,21 +4300,20 @@
           <p:nvPr/>
         </p:nvPicPr>
         <p:blipFill>
-          <a:blip r:embed="rId2">
+          <a:blip r:embed="rId3">
             <a:extLst>
               <a:ext uri="{28A0092B-C50C-407E-A947-70E740481C1C}">
                 <a14:useLocalDpi xmlns:a14="http://schemas.microsoft.com/office/drawing/2010/main" val="0"/>
               </a:ext>
             </a:extLst>
           </a:blip>
-          <a:stretch>
-            <a:fillRect/>
-          </a:stretch>
+          <a:srcRect/>
+          <a:stretch/>
         </p:blipFill>
         <p:spPr>
           <a:xfrm>
-            <a:off x="7846579" y="3429000"/>
-            <a:ext cx="2245687" cy="3170382"/>
+            <a:off x="7743344" y="2405312"/>
+            <a:ext cx="1957705" cy="4241695"/>
           </a:xfrm>
           <a:prstGeom prst="rect">
             <a:avLst/>
@@ -4427,7 +4422,7 @@
       </p:grpSpPr>
       <p:pic>
         <p:nvPicPr>
-          <p:cNvPr id="5" name="Immagine 4" descr="Immagine che contiene giocattolo, bambola&#10;&#10;Descrizione generata automaticamente">
+          <p:cNvPr id="5" name="Immagine 4">
             <a:extLst>
               <a:ext uri="{FF2B5EF4-FFF2-40B4-BE49-F238E27FC236}">
                 <a16:creationId xmlns:a16="http://schemas.microsoft.com/office/drawing/2014/main" id="{84C9FA62-D645-BA8B-C10E-E8E568948E7E}"/>
@@ -4447,14 +4442,13 @@
               </a:ext>
             </a:extLst>
           </a:blip>
-          <a:stretch>
-            <a:fillRect/>
-          </a:stretch>
+          <a:srcRect/>
+          <a:stretch/>
         </p:blipFill>
         <p:spPr>
           <a:xfrm>
-            <a:off x="1413452" y="258618"/>
-            <a:ext cx="2245687" cy="3170382"/>
+            <a:off x="1804669" y="106217"/>
+            <a:ext cx="1881506" cy="4076597"/>
           </a:xfrm>
           <a:prstGeom prst="rect">
             <a:avLst/>
@@ -4463,7 +4457,7 @@
       </p:pic>
       <p:pic>
         <p:nvPicPr>
-          <p:cNvPr id="6" name="Immagine 5" descr="Immagine che contiene giocattolo, bambola&#10;&#10;Descrizione generata automaticamente">
+          <p:cNvPr id="6" name="Immagine 5">
             <a:extLst>
               <a:ext uri="{FF2B5EF4-FFF2-40B4-BE49-F238E27FC236}">
                 <a16:creationId xmlns:a16="http://schemas.microsoft.com/office/drawing/2014/main" id="{8FAC93BF-4E90-7A7C-3A56-E46453B8FDE3}"/>
@@ -4476,21 +4470,20 @@
           <p:nvPr/>
         </p:nvPicPr>
         <p:blipFill>
-          <a:blip r:embed="rId2">
+          <a:blip r:embed="rId3">
             <a:extLst>
               <a:ext uri="{28A0092B-C50C-407E-A947-70E740481C1C}">
                 <a14:useLocalDpi xmlns:a14="http://schemas.microsoft.com/office/drawing/2010/main" val="0"/>
               </a:ext>
             </a:extLst>
           </a:blip>
-          <a:stretch>
-            <a:fillRect/>
-          </a:stretch>
+          <a:srcRect/>
+          <a:stretch/>
         </p:blipFill>
         <p:spPr>
           <a:xfrm>
-            <a:off x="7846579" y="3429000"/>
-            <a:ext cx="2245687" cy="3170382"/>
+            <a:off x="8315324" y="2155969"/>
+            <a:ext cx="2143125" cy="4643438"/>
           </a:xfrm>
           <a:prstGeom prst="rect">
             <a:avLst/>
